--- a/Презентация.pptx
+++ b/Презентация.pptx
@@ -8,13 +8,25 @@
     <p:sldId id="257" r:id="rId2"/>
     <p:sldId id="258" r:id="rId3"/>
     <p:sldId id="259" r:id="rId4"/>
-    <p:sldId id="266" r:id="rId5"/>
-    <p:sldId id="260" r:id="rId6"/>
-    <p:sldId id="261" r:id="rId7"/>
-    <p:sldId id="264" r:id="rId8"/>
-    <p:sldId id="265" r:id="rId9"/>
-    <p:sldId id="262" r:id="rId10"/>
-    <p:sldId id="263" r:id="rId11"/>
+    <p:sldId id="277" r:id="rId5"/>
+    <p:sldId id="278" r:id="rId6"/>
+    <p:sldId id="276" r:id="rId7"/>
+    <p:sldId id="279" r:id="rId8"/>
+    <p:sldId id="275" r:id="rId9"/>
+    <p:sldId id="260" r:id="rId10"/>
+    <p:sldId id="267" r:id="rId11"/>
+    <p:sldId id="268" r:id="rId12"/>
+    <p:sldId id="269" r:id="rId13"/>
+    <p:sldId id="261" r:id="rId14"/>
+    <p:sldId id="264" r:id="rId15"/>
+    <p:sldId id="265" r:id="rId16"/>
+    <p:sldId id="262" r:id="rId17"/>
+    <p:sldId id="270" r:id="rId18"/>
+    <p:sldId id="271" r:id="rId19"/>
+    <p:sldId id="272" r:id="rId20"/>
+    <p:sldId id="263" r:id="rId21"/>
+    <p:sldId id="273" r:id="rId22"/>
+    <p:sldId id="274" r:id="rId23"/>
   </p:sldIdLst>
   <p:sldSz cx="12192000" cy="6858000"/>
   <p:notesSz cx="6858000" cy="9144000"/>
@@ -113,6 +125,11 @@
       </a:defRPr>
     </a:lvl9pPr>
   </p:defaultTextStyle>
+  <p:extLst>
+    <p:ext uri="{EFAFB233-063F-42B5-8137-9DF3F51BA10A}">
+      <p15:sldGuideLst xmlns:p15="http://schemas.microsoft.com/office/powerpoint/2012/main"/>
+    </p:ext>
+  </p:extLst>
 </p:presentation>
 </file>
 
@@ -838,7 +855,7 @@
           <a:p>
             <a:fld id="{14F70D8F-18E2-4281-BA06-4131A8188314}" type="datetimeFigureOut">
               <a:rPr lang="ru-RU" smtClean="0"/>
-              <a:t>12.04.2022</a:t>
+              <a:t>13.04.2022</a:t>
             </a:fld>
             <a:endParaRPr lang="ru-RU"/>
           </a:p>
@@ -1089,7 +1106,7 @@
           <a:p>
             <a:fld id="{14F70D8F-18E2-4281-BA06-4131A8188314}" type="datetimeFigureOut">
               <a:rPr lang="ru-RU" smtClean="0"/>
-              <a:t>12.04.2022</a:t>
+              <a:t>13.04.2022</a:t>
             </a:fld>
             <a:endParaRPr lang="ru-RU"/>
           </a:p>
@@ -1403,7 +1420,7 @@
           <a:p>
             <a:fld id="{14F70D8F-18E2-4281-BA06-4131A8188314}" type="datetimeFigureOut">
               <a:rPr lang="ru-RU" smtClean="0"/>
-              <a:t>12.04.2022</a:t>
+              <a:t>13.04.2022</a:t>
             </a:fld>
             <a:endParaRPr lang="ru-RU"/>
           </a:p>
@@ -1744,7 +1761,7 @@
           <a:p>
             <a:fld id="{14F70D8F-18E2-4281-BA06-4131A8188314}" type="datetimeFigureOut">
               <a:rPr lang="ru-RU" smtClean="0"/>
-              <a:t>12.04.2022</a:t>
+              <a:t>13.04.2022</a:t>
             </a:fld>
             <a:endParaRPr lang="ru-RU"/>
           </a:p>
@@ -2058,7 +2075,7 @@
           <a:p>
             <a:fld id="{14F70D8F-18E2-4281-BA06-4131A8188314}" type="datetimeFigureOut">
               <a:rPr lang="ru-RU" smtClean="0"/>
-              <a:t>12.04.2022</a:t>
+              <a:t>13.04.2022</a:t>
             </a:fld>
             <a:endParaRPr lang="ru-RU"/>
           </a:p>
@@ -2451,7 +2468,7 @@
           <a:p>
             <a:fld id="{14F70D8F-18E2-4281-BA06-4131A8188314}" type="datetimeFigureOut">
               <a:rPr lang="ru-RU" smtClean="0"/>
-              <a:t>12.04.2022</a:t>
+              <a:t>13.04.2022</a:t>
             </a:fld>
             <a:endParaRPr lang="ru-RU"/>
           </a:p>
@@ -2621,7 +2638,7 @@
           <a:p>
             <a:fld id="{14F70D8F-18E2-4281-BA06-4131A8188314}" type="datetimeFigureOut">
               <a:rPr lang="ru-RU" smtClean="0"/>
-              <a:t>12.04.2022</a:t>
+              <a:t>13.04.2022</a:t>
             </a:fld>
             <a:endParaRPr lang="ru-RU"/>
           </a:p>
@@ -2801,7 +2818,7 @@
           <a:p>
             <a:fld id="{14F70D8F-18E2-4281-BA06-4131A8188314}" type="datetimeFigureOut">
               <a:rPr lang="ru-RU" smtClean="0"/>
-              <a:t>12.04.2022</a:t>
+              <a:t>13.04.2022</a:t>
             </a:fld>
             <a:endParaRPr lang="ru-RU"/>
           </a:p>
@@ -2977,7 +2994,7 @@
           <a:p>
             <a:fld id="{14F70D8F-18E2-4281-BA06-4131A8188314}" type="datetimeFigureOut">
               <a:rPr lang="ru-RU" smtClean="0"/>
-              <a:t>12.04.2022</a:t>
+              <a:t>13.04.2022</a:t>
             </a:fld>
             <a:endParaRPr lang="ru-RU"/>
           </a:p>
@@ -3224,7 +3241,7 @@
           <a:p>
             <a:fld id="{14F70D8F-18E2-4281-BA06-4131A8188314}" type="datetimeFigureOut">
               <a:rPr lang="ru-RU" smtClean="0"/>
-              <a:t>12.04.2022</a:t>
+              <a:t>13.04.2022</a:t>
             </a:fld>
             <a:endParaRPr lang="ru-RU"/>
           </a:p>
@@ -3456,7 +3473,7 @@
           <a:p>
             <a:fld id="{14F70D8F-18E2-4281-BA06-4131A8188314}" type="datetimeFigureOut">
               <a:rPr lang="ru-RU" smtClean="0"/>
-              <a:t>12.04.2022</a:t>
+              <a:t>13.04.2022</a:t>
             </a:fld>
             <a:endParaRPr lang="ru-RU"/>
           </a:p>
@@ -3830,7 +3847,7 @@
           <a:p>
             <a:fld id="{14F70D8F-18E2-4281-BA06-4131A8188314}" type="datetimeFigureOut">
               <a:rPr lang="ru-RU" smtClean="0"/>
-              <a:t>12.04.2022</a:t>
+              <a:t>13.04.2022</a:t>
             </a:fld>
             <a:endParaRPr lang="ru-RU"/>
           </a:p>
@@ -3953,7 +3970,7 @@
           <a:p>
             <a:fld id="{14F70D8F-18E2-4281-BA06-4131A8188314}" type="datetimeFigureOut">
               <a:rPr lang="ru-RU" smtClean="0"/>
-              <a:t>12.04.2022</a:t>
+              <a:t>13.04.2022</a:t>
             </a:fld>
             <a:endParaRPr lang="ru-RU"/>
           </a:p>
@@ -4048,7 +4065,7 @@
           <a:p>
             <a:fld id="{14F70D8F-18E2-4281-BA06-4131A8188314}" type="datetimeFigureOut">
               <a:rPr lang="ru-RU" smtClean="0"/>
-              <a:t>12.04.2022</a:t>
+              <a:t>13.04.2022</a:t>
             </a:fld>
             <a:endParaRPr lang="ru-RU"/>
           </a:p>
@@ -4303,7 +4320,7 @@
           <a:p>
             <a:fld id="{14F70D8F-18E2-4281-BA06-4131A8188314}" type="datetimeFigureOut">
               <a:rPr lang="ru-RU" smtClean="0"/>
-              <a:t>12.04.2022</a:t>
+              <a:t>13.04.2022</a:t>
             </a:fld>
             <a:endParaRPr lang="ru-RU"/>
           </a:p>
@@ -4566,7 +4583,7 @@
           <a:p>
             <a:fld id="{14F70D8F-18E2-4281-BA06-4131A8188314}" type="datetimeFigureOut">
               <a:rPr lang="ru-RU" smtClean="0"/>
-              <a:t>12.04.2022</a:t>
+              <a:t>13.04.2022</a:t>
             </a:fld>
             <a:endParaRPr lang="ru-RU"/>
           </a:p>
@@ -5309,7 +5326,7 @@
           <a:p>
             <a:fld id="{14F70D8F-18E2-4281-BA06-4131A8188314}" type="datetimeFigureOut">
               <a:rPr lang="ru-RU" smtClean="0"/>
-              <a:t>12.04.2022</a:t>
+              <a:t>13.04.2022</a:t>
             </a:fld>
             <a:endParaRPr lang="ru-RU"/>
           </a:p>
@@ -5921,11 +5938,7 @@
             <a:pPr algn="ctr"/>
             <a:r>
               <a:rPr lang="ru-RU" sz="2200" dirty="0" smtClean="0"/>
-              <a:t>Защита по ПМ </a:t>
-            </a:r>
-            <a:r>
-              <a:rPr lang="ru-RU" sz="2200" dirty="0" smtClean="0"/>
-              <a:t>02</a:t>
+              <a:t>Защита по ПМ 02</a:t>
             </a:r>
             <a:r>
               <a:rPr lang="ru-RU" sz="2200" dirty="0"/>
@@ -6031,15 +6044,7 @@
                   <a:schemeClr val="tx1"/>
                 </a:solidFill>
               </a:rPr>
-              <a:t>Дата: </a:t>
-            </a:r>
-            <a:r>
-              <a:rPr lang="ru-RU" sz="2000" dirty="0" smtClean="0">
-                <a:solidFill>
-                  <a:schemeClr val="tx1"/>
-                </a:solidFill>
-              </a:rPr>
-              <a:t>13.04.2022</a:t>
+              <a:t>Дата: 13.04.2022</a:t>
             </a:r>
             <a:endParaRPr lang="ru-RU" sz="2000" dirty="0">
               <a:solidFill>
@@ -6088,6 +6093,1538 @@
       </p:grpSpPr>
       <p:sp>
         <p:nvSpPr>
+          <p:cNvPr id="2" name="TextBox 1"/>
+          <p:cNvSpPr txBox="1"/>
+          <p:nvPr/>
+        </p:nvSpPr>
+        <p:spPr>
+          <a:xfrm>
+            <a:off x="1076632" y="147484"/>
+            <a:ext cx="9278502" cy="584775"/>
+          </a:xfrm>
+          <a:prstGeom prst="rect">
+            <a:avLst/>
+          </a:prstGeom>
+          <a:noFill/>
+        </p:spPr>
+        <p:txBody>
+          <a:bodyPr wrap="none" rtlCol="0">
+            <a:spAutoFit/>
+          </a:bodyPr>
+          <a:lstStyle/>
+          <a:p>
+            <a:r>
+              <a:rPr lang="ru-RU" sz="3200" dirty="0" smtClean="0"/>
+              <a:t>Интеграция модули регистрации / авторизации</a:t>
+            </a:r>
+            <a:endParaRPr lang="ru-RU" sz="3200" dirty="0"/>
+          </a:p>
+        </p:txBody>
+      </p:sp>
+      <p:pic>
+        <p:nvPicPr>
+          <p:cNvPr id="5" name="Рисунок 4"/>
+          <p:cNvPicPr>
+            <a:picLocks noChangeAspect="1"/>
+          </p:cNvPicPr>
+          <p:nvPr/>
+        </p:nvPicPr>
+        <p:blipFill>
+          <a:blip r:embed="rId2"/>
+          <a:stretch>
+            <a:fillRect/>
+          </a:stretch>
+        </p:blipFill>
+        <p:spPr>
+          <a:xfrm>
+            <a:off x="275302" y="1107007"/>
+            <a:ext cx="11169448" cy="5381406"/>
+          </a:xfrm>
+          <a:prstGeom prst="rect">
+            <a:avLst/>
+          </a:prstGeom>
+          <a:ln>
+            <a:noFill/>
+          </a:ln>
+          <a:effectLst>
+            <a:outerShdw blurRad="292100" dist="139700" dir="2700000" algn="tl" rotWithShape="0">
+              <a:srgbClr val="333333">
+                <a:alpha val="65000"/>
+              </a:srgbClr>
+            </a:outerShdw>
+          </a:effectLst>
+        </p:spPr>
+      </p:pic>
+    </p:spTree>
+    <p:extLst>
+      <p:ext uri="{BB962C8B-B14F-4D97-AF65-F5344CB8AC3E}">
+        <p14:creationId xmlns:p14="http://schemas.microsoft.com/office/powerpoint/2010/main" val="3567426485"/>
+      </p:ext>
+    </p:extLst>
+  </p:cSld>
+  <p:clrMapOvr>
+    <a:masterClrMapping/>
+  </p:clrMapOvr>
+</p:sld>
+</file>
+
+<file path=ppt/slides/slide11.xml><?xml version="1.0" encoding="utf-8"?>
+<p:sld xmlns:a="http://schemas.openxmlformats.org/drawingml/2006/main" xmlns:r="http://schemas.openxmlformats.org/officeDocument/2006/relationships" xmlns:p="http://schemas.openxmlformats.org/presentationml/2006/main">
+  <p:cSld>
+    <p:spTree>
+      <p:nvGrpSpPr>
+        <p:cNvPr id="1" name=""/>
+        <p:cNvGrpSpPr/>
+        <p:nvPr/>
+      </p:nvGrpSpPr>
+      <p:grpSpPr>
+        <a:xfrm>
+          <a:off x="0" y="0"/>
+          <a:ext cx="0" cy="0"/>
+          <a:chOff x="0" y="0"/>
+          <a:chExt cx="0" cy="0"/>
+        </a:xfrm>
+      </p:grpSpPr>
+      <p:pic>
+        <p:nvPicPr>
+          <p:cNvPr id="3" name="Рисунок 2"/>
+          <p:cNvPicPr>
+            <a:picLocks noChangeAspect="1"/>
+          </p:cNvPicPr>
+          <p:nvPr/>
+        </p:nvPicPr>
+        <p:blipFill>
+          <a:blip r:embed="rId2"/>
+          <a:stretch>
+            <a:fillRect/>
+          </a:stretch>
+        </p:blipFill>
+        <p:spPr>
+          <a:xfrm>
+            <a:off x="7450076" y="589629"/>
+            <a:ext cx="4430066" cy="5678132"/>
+          </a:xfrm>
+          <a:prstGeom prst="rect">
+            <a:avLst/>
+          </a:prstGeom>
+          <a:ln>
+            <a:noFill/>
+          </a:ln>
+          <a:effectLst>
+            <a:outerShdw blurRad="292100" dist="139700" dir="2700000" algn="tl" rotWithShape="0">
+              <a:srgbClr val="333333">
+                <a:alpha val="65000"/>
+              </a:srgbClr>
+            </a:outerShdw>
+          </a:effectLst>
+        </p:spPr>
+      </p:pic>
+      <p:pic>
+        <p:nvPicPr>
+          <p:cNvPr id="4" name="Рисунок 3"/>
+          <p:cNvPicPr>
+            <a:picLocks noChangeAspect="1"/>
+          </p:cNvPicPr>
+          <p:nvPr/>
+        </p:nvPicPr>
+        <p:blipFill>
+          <a:blip r:embed="rId3"/>
+          <a:stretch>
+            <a:fillRect/>
+          </a:stretch>
+        </p:blipFill>
+        <p:spPr>
+          <a:xfrm>
+            <a:off x="238422" y="604377"/>
+            <a:ext cx="7019925" cy="3790950"/>
+          </a:xfrm>
+          <a:prstGeom prst="rect">
+            <a:avLst/>
+          </a:prstGeom>
+          <a:ln>
+            <a:noFill/>
+          </a:ln>
+          <a:effectLst>
+            <a:outerShdw blurRad="292100" dist="139700" dir="2700000" algn="tl" rotWithShape="0">
+              <a:srgbClr val="333333">
+                <a:alpha val="65000"/>
+              </a:srgbClr>
+            </a:outerShdw>
+          </a:effectLst>
+        </p:spPr>
+      </p:pic>
+      <p:pic>
+        <p:nvPicPr>
+          <p:cNvPr id="5" name="Рисунок 4"/>
+          <p:cNvPicPr>
+            <a:picLocks noChangeAspect="1"/>
+          </p:cNvPicPr>
+          <p:nvPr/>
+        </p:nvPicPr>
+        <p:blipFill>
+          <a:blip r:embed="rId4"/>
+          <a:stretch>
+            <a:fillRect/>
+          </a:stretch>
+        </p:blipFill>
+        <p:spPr>
+          <a:xfrm>
+            <a:off x="238421" y="4478591"/>
+            <a:ext cx="7019926" cy="1789170"/>
+          </a:xfrm>
+          <a:prstGeom prst="rect">
+            <a:avLst/>
+          </a:prstGeom>
+          <a:ln>
+            <a:noFill/>
+          </a:ln>
+          <a:effectLst>
+            <a:outerShdw blurRad="292100" dist="139700" dir="2700000" algn="tl" rotWithShape="0">
+              <a:srgbClr val="333333">
+                <a:alpha val="65000"/>
+              </a:srgbClr>
+            </a:outerShdw>
+          </a:effectLst>
+        </p:spPr>
+      </p:pic>
+    </p:spTree>
+    <p:extLst>
+      <p:ext uri="{BB962C8B-B14F-4D97-AF65-F5344CB8AC3E}">
+        <p14:creationId xmlns:p14="http://schemas.microsoft.com/office/powerpoint/2010/main" val="1634434650"/>
+      </p:ext>
+    </p:extLst>
+  </p:cSld>
+  <p:clrMapOvr>
+    <a:masterClrMapping/>
+  </p:clrMapOvr>
+</p:sld>
+</file>
+
+<file path=ppt/slides/slide12.xml><?xml version="1.0" encoding="utf-8"?>
+<p:sld xmlns:a="http://schemas.openxmlformats.org/drawingml/2006/main" xmlns:r="http://schemas.openxmlformats.org/officeDocument/2006/relationships" xmlns:p="http://schemas.openxmlformats.org/presentationml/2006/main">
+  <p:cSld>
+    <p:spTree>
+      <p:nvGrpSpPr>
+        <p:cNvPr id="1" name=""/>
+        <p:cNvGrpSpPr/>
+        <p:nvPr/>
+      </p:nvGrpSpPr>
+      <p:grpSpPr>
+        <a:xfrm>
+          <a:off x="0" y="0"/>
+          <a:ext cx="0" cy="0"/>
+          <a:chOff x="0" y="0"/>
+          <a:chExt cx="0" cy="0"/>
+        </a:xfrm>
+      </p:grpSpPr>
+      <p:pic>
+        <p:nvPicPr>
+          <p:cNvPr id="2" name="Рисунок 1"/>
+          <p:cNvPicPr>
+            <a:picLocks noChangeAspect="1"/>
+          </p:cNvPicPr>
+          <p:nvPr/>
+        </p:nvPicPr>
+        <p:blipFill>
+          <a:blip r:embed="rId2"/>
+          <a:stretch>
+            <a:fillRect/>
+          </a:stretch>
+        </p:blipFill>
+        <p:spPr>
+          <a:xfrm>
+            <a:off x="6847127" y="740255"/>
+            <a:ext cx="4940913" cy="5429721"/>
+          </a:xfrm>
+          <a:prstGeom prst="rect">
+            <a:avLst/>
+          </a:prstGeom>
+          <a:ln>
+            <a:noFill/>
+          </a:ln>
+          <a:effectLst>
+            <a:outerShdw blurRad="292100" dist="139700" dir="2700000" algn="tl" rotWithShape="0">
+              <a:srgbClr val="333333">
+                <a:alpha val="65000"/>
+              </a:srgbClr>
+            </a:outerShdw>
+          </a:effectLst>
+        </p:spPr>
+      </p:pic>
+      <p:pic>
+        <p:nvPicPr>
+          <p:cNvPr id="3" name="Рисунок 2"/>
+          <p:cNvPicPr>
+            <a:picLocks noChangeAspect="1"/>
+          </p:cNvPicPr>
+          <p:nvPr/>
+        </p:nvPicPr>
+        <p:blipFill>
+          <a:blip r:embed="rId3"/>
+          <a:stretch>
+            <a:fillRect/>
+          </a:stretch>
+        </p:blipFill>
+        <p:spPr>
+          <a:xfrm>
+            <a:off x="334297" y="746428"/>
+            <a:ext cx="6243484" cy="2708688"/>
+          </a:xfrm>
+          <a:prstGeom prst="rect">
+            <a:avLst/>
+          </a:prstGeom>
+          <a:ln>
+            <a:noFill/>
+          </a:ln>
+          <a:effectLst>
+            <a:outerShdw blurRad="292100" dist="139700" dir="2700000" algn="tl" rotWithShape="0">
+              <a:srgbClr val="333333">
+                <a:alpha val="65000"/>
+              </a:srgbClr>
+            </a:outerShdw>
+          </a:effectLst>
+        </p:spPr>
+      </p:pic>
+      <p:pic>
+        <p:nvPicPr>
+          <p:cNvPr id="4" name="Рисунок 3"/>
+          <p:cNvPicPr>
+            <a:picLocks noChangeAspect="1"/>
+          </p:cNvPicPr>
+          <p:nvPr/>
+        </p:nvPicPr>
+        <p:blipFill>
+          <a:blip r:embed="rId4"/>
+          <a:stretch>
+            <a:fillRect/>
+          </a:stretch>
+        </p:blipFill>
+        <p:spPr>
+          <a:xfrm>
+            <a:off x="334297" y="3625241"/>
+            <a:ext cx="6243484" cy="2550908"/>
+          </a:xfrm>
+          <a:prstGeom prst="rect">
+            <a:avLst/>
+          </a:prstGeom>
+          <a:ln>
+            <a:noFill/>
+          </a:ln>
+          <a:effectLst>
+            <a:outerShdw blurRad="292100" dist="139700" dir="2700000" algn="tl" rotWithShape="0">
+              <a:srgbClr val="333333">
+                <a:alpha val="65000"/>
+              </a:srgbClr>
+            </a:outerShdw>
+          </a:effectLst>
+        </p:spPr>
+      </p:pic>
+    </p:spTree>
+    <p:extLst>
+      <p:ext uri="{BB962C8B-B14F-4D97-AF65-F5344CB8AC3E}">
+        <p14:creationId xmlns:p14="http://schemas.microsoft.com/office/powerpoint/2010/main" val="1456957688"/>
+      </p:ext>
+    </p:extLst>
+  </p:cSld>
+  <p:clrMapOvr>
+    <a:masterClrMapping/>
+  </p:clrMapOvr>
+</p:sld>
+</file>
+
+<file path=ppt/slides/slide13.xml><?xml version="1.0" encoding="utf-8"?>
+<p:sld xmlns:a="http://schemas.openxmlformats.org/drawingml/2006/main" xmlns:r="http://schemas.openxmlformats.org/officeDocument/2006/relationships" xmlns:p="http://schemas.openxmlformats.org/presentationml/2006/main">
+  <p:cSld>
+    <p:spTree>
+      <p:nvGrpSpPr>
+        <p:cNvPr id="1" name=""/>
+        <p:cNvGrpSpPr/>
+        <p:nvPr/>
+      </p:nvGrpSpPr>
+      <p:grpSpPr>
+        <a:xfrm>
+          <a:off x="0" y="0"/>
+          <a:ext cx="0" cy="0"/>
+          <a:chOff x="0" y="0"/>
+          <a:chExt cx="0" cy="0"/>
+        </a:xfrm>
+      </p:grpSpPr>
+      <p:sp>
+        <p:nvSpPr>
+          <p:cNvPr id="2" name="Заголовок 1"/>
+          <p:cNvSpPr txBox="1">
+            <a:spLocks/>
+          </p:cNvSpPr>
+          <p:nvPr/>
+        </p:nvSpPr>
+        <p:spPr>
+          <a:xfrm>
+            <a:off x="1339794" y="2516588"/>
+            <a:ext cx="8955555" cy="1701260"/>
+          </a:xfrm>
+          <a:prstGeom prst="rect">
+            <a:avLst/>
+          </a:prstGeom>
+        </p:spPr>
+        <p:txBody>
+          <a:bodyPr>
+            <a:normAutofit fontScale="90000"/>
+          </a:bodyPr>
+          <a:lstStyle>
+            <a:lvl1pPr algn="l" defTabSz="457200" rtl="0" eaLnBrk="1" latinLnBrk="0" hangingPunct="1">
+              <a:spcBef>
+                <a:spcPct val="0"/>
+              </a:spcBef>
+              <a:buNone/>
+              <a:defRPr sz="3600" kern="1200">
+                <a:solidFill>
+                  <a:schemeClr val="accent1"/>
+                </a:solidFill>
+                <a:latin typeface="+mj-lt"/>
+                <a:ea typeface="+mj-ea"/>
+                <a:cs typeface="+mj-cs"/>
+              </a:defRPr>
+            </a:lvl1pPr>
+            <a:lvl2pPr eaLnBrk="1" hangingPunct="1">
+              <a:defRPr>
+                <a:solidFill>
+                  <a:schemeClr val="tx2"/>
+                </a:solidFill>
+              </a:defRPr>
+            </a:lvl2pPr>
+            <a:lvl3pPr eaLnBrk="1" hangingPunct="1">
+              <a:defRPr>
+                <a:solidFill>
+                  <a:schemeClr val="tx2"/>
+                </a:solidFill>
+              </a:defRPr>
+            </a:lvl3pPr>
+            <a:lvl4pPr eaLnBrk="1" hangingPunct="1">
+              <a:defRPr>
+                <a:solidFill>
+                  <a:schemeClr val="tx2"/>
+                </a:solidFill>
+              </a:defRPr>
+            </a:lvl4pPr>
+            <a:lvl5pPr eaLnBrk="1" hangingPunct="1">
+              <a:defRPr>
+                <a:solidFill>
+                  <a:schemeClr val="tx2"/>
+                </a:solidFill>
+              </a:defRPr>
+            </a:lvl5pPr>
+            <a:lvl6pPr eaLnBrk="1" hangingPunct="1">
+              <a:defRPr>
+                <a:solidFill>
+                  <a:schemeClr val="tx2"/>
+                </a:solidFill>
+              </a:defRPr>
+            </a:lvl6pPr>
+            <a:lvl7pPr eaLnBrk="1" hangingPunct="1">
+              <a:defRPr>
+                <a:solidFill>
+                  <a:schemeClr val="tx2"/>
+                </a:solidFill>
+              </a:defRPr>
+            </a:lvl7pPr>
+            <a:lvl8pPr eaLnBrk="1" hangingPunct="1">
+              <a:defRPr>
+                <a:solidFill>
+                  <a:schemeClr val="tx2"/>
+                </a:solidFill>
+              </a:defRPr>
+            </a:lvl8pPr>
+            <a:lvl9pPr eaLnBrk="1" hangingPunct="1">
+              <a:defRPr>
+                <a:solidFill>
+                  <a:schemeClr val="tx2"/>
+                </a:solidFill>
+              </a:defRPr>
+            </a:lvl9pPr>
+          </a:lstStyle>
+          <a:p>
+            <a:pPr algn="ctr"/>
+            <a:r>
+              <a:rPr lang="ru-RU" dirty="0"/>
+              <a:t>ПК 2.3. Выполнять отладку программного модуля с использованием специализированных программных средств</a:t>
+            </a:r>
+          </a:p>
+        </p:txBody>
+      </p:sp>
+      <p:sp>
+        <p:nvSpPr>
+          <p:cNvPr id="3" name="TextBox 2"/>
+          <p:cNvSpPr txBox="1"/>
+          <p:nvPr/>
+        </p:nvSpPr>
+        <p:spPr>
+          <a:xfrm>
+            <a:off x="465992" y="6348046"/>
+            <a:ext cx="3498073" cy="369332"/>
+          </a:xfrm>
+          <a:prstGeom prst="rect">
+            <a:avLst/>
+          </a:prstGeom>
+          <a:noFill/>
+        </p:spPr>
+        <p:txBody>
+          <a:bodyPr wrap="none" rtlCol="0">
+            <a:spAutoFit/>
+          </a:bodyPr>
+          <a:lstStyle/>
+          <a:p>
+            <a:r>
+              <a:rPr lang="ru-RU" dirty="0" smtClean="0"/>
+              <a:t>На примере курсового проекта</a:t>
+            </a:r>
+            <a:endParaRPr lang="ru-RU" dirty="0"/>
+          </a:p>
+        </p:txBody>
+      </p:sp>
+    </p:spTree>
+    <p:extLst>
+      <p:ext uri="{BB962C8B-B14F-4D97-AF65-F5344CB8AC3E}">
+        <p14:creationId xmlns:p14="http://schemas.microsoft.com/office/powerpoint/2010/main" val="3846605954"/>
+      </p:ext>
+    </p:extLst>
+  </p:cSld>
+  <p:clrMapOvr>
+    <a:masterClrMapping/>
+  </p:clrMapOvr>
+  <p:timing>
+    <p:tnLst>
+      <p:par>
+        <p:cTn id="1" dur="indefinite" restart="never" nodeType="tmRoot"/>
+      </p:par>
+    </p:tnLst>
+  </p:timing>
+</p:sld>
+</file>
+
+<file path=ppt/slides/slide14.xml><?xml version="1.0" encoding="utf-8"?>
+<p:sld xmlns:a="http://schemas.openxmlformats.org/drawingml/2006/main" xmlns:r="http://schemas.openxmlformats.org/officeDocument/2006/relationships" xmlns:p="http://schemas.openxmlformats.org/presentationml/2006/main">
+  <p:cSld>
+    <p:spTree>
+      <p:nvGrpSpPr>
+        <p:cNvPr id="1" name=""/>
+        <p:cNvGrpSpPr/>
+        <p:nvPr/>
+      </p:nvGrpSpPr>
+      <p:grpSpPr>
+        <a:xfrm>
+          <a:off x="0" y="0"/>
+          <a:ext cx="0" cy="0"/>
+          <a:chOff x="0" y="0"/>
+          <a:chExt cx="0" cy="0"/>
+        </a:xfrm>
+      </p:grpSpPr>
+      <p:pic>
+        <p:nvPicPr>
+          <p:cNvPr id="2" name="Рисунок 1"/>
+          <p:cNvPicPr>
+            <a:picLocks noChangeAspect="1"/>
+          </p:cNvPicPr>
+          <p:nvPr/>
+        </p:nvPicPr>
+        <p:blipFill>
+          <a:blip r:embed="rId2"/>
+          <a:stretch>
+            <a:fillRect/>
+          </a:stretch>
+        </p:blipFill>
+        <p:spPr>
+          <a:xfrm>
+            <a:off x="146536" y="1089902"/>
+            <a:ext cx="7678618" cy="4502006"/>
+          </a:xfrm>
+          <a:prstGeom prst="rect">
+            <a:avLst/>
+          </a:prstGeom>
+          <a:ln>
+            <a:noFill/>
+          </a:ln>
+          <a:effectLst>
+            <a:outerShdw blurRad="190500" algn="tl" rotWithShape="0">
+              <a:srgbClr val="000000">
+                <a:alpha val="70000"/>
+              </a:srgbClr>
+            </a:outerShdw>
+          </a:effectLst>
+        </p:spPr>
+      </p:pic>
+      <p:pic>
+        <p:nvPicPr>
+          <p:cNvPr id="3" name="Рисунок 2"/>
+          <p:cNvPicPr>
+            <a:picLocks noChangeAspect="1"/>
+          </p:cNvPicPr>
+          <p:nvPr/>
+        </p:nvPicPr>
+        <p:blipFill rotWithShape="1">
+          <a:blip r:embed="rId3"/>
+          <a:srcRect b="8108"/>
+          <a:stretch/>
+        </p:blipFill>
+        <p:spPr>
+          <a:xfrm>
+            <a:off x="3214664" y="5855677"/>
+            <a:ext cx="5393392" cy="738554"/>
+          </a:xfrm>
+          <a:prstGeom prst="rect">
+            <a:avLst/>
+          </a:prstGeom>
+          <a:ln>
+            <a:noFill/>
+          </a:ln>
+          <a:effectLst>
+            <a:outerShdw blurRad="190500" algn="tl" rotWithShape="0">
+              <a:srgbClr val="000000">
+                <a:alpha val="70000"/>
+              </a:srgbClr>
+            </a:outerShdw>
+          </a:effectLst>
+        </p:spPr>
+      </p:pic>
+      <p:pic>
+        <p:nvPicPr>
+          <p:cNvPr id="4" name="Рисунок 3"/>
+          <p:cNvPicPr>
+            <a:picLocks noChangeAspect="1"/>
+          </p:cNvPicPr>
+          <p:nvPr/>
+        </p:nvPicPr>
+        <p:blipFill>
+          <a:blip r:embed="rId4"/>
+          <a:stretch>
+            <a:fillRect/>
+          </a:stretch>
+        </p:blipFill>
+        <p:spPr>
+          <a:xfrm>
+            <a:off x="7948246" y="1186618"/>
+            <a:ext cx="3886200" cy="1804308"/>
+          </a:xfrm>
+          <a:prstGeom prst="rect">
+            <a:avLst/>
+          </a:prstGeom>
+          <a:ln>
+            <a:noFill/>
+          </a:ln>
+          <a:effectLst>
+            <a:outerShdw blurRad="190500" algn="tl" rotWithShape="0">
+              <a:srgbClr val="000000">
+                <a:alpha val="70000"/>
+              </a:srgbClr>
+            </a:outerShdw>
+          </a:effectLst>
+        </p:spPr>
+      </p:pic>
+      <p:pic>
+        <p:nvPicPr>
+          <p:cNvPr id="5" name="Рисунок 4"/>
+          <p:cNvPicPr>
+            <a:picLocks noChangeAspect="1"/>
+          </p:cNvPicPr>
+          <p:nvPr/>
+        </p:nvPicPr>
+        <p:blipFill>
+          <a:blip r:embed="rId5"/>
+          <a:stretch>
+            <a:fillRect/>
+          </a:stretch>
+        </p:blipFill>
+        <p:spPr>
+          <a:xfrm>
+            <a:off x="7948246" y="3127597"/>
+            <a:ext cx="3886200" cy="2385180"/>
+          </a:xfrm>
+          <a:prstGeom prst="rect">
+            <a:avLst/>
+          </a:prstGeom>
+          <a:ln>
+            <a:noFill/>
+          </a:ln>
+          <a:effectLst>
+            <a:outerShdw blurRad="190500" algn="tl" rotWithShape="0">
+              <a:srgbClr val="000000">
+                <a:alpha val="70000"/>
+              </a:srgbClr>
+            </a:outerShdw>
+          </a:effectLst>
+        </p:spPr>
+      </p:pic>
+      <p:sp>
+        <p:nvSpPr>
+          <p:cNvPr id="6" name="TextBox 5"/>
+          <p:cNvSpPr txBox="1"/>
+          <p:nvPr/>
+        </p:nvSpPr>
+        <p:spPr>
+          <a:xfrm>
+            <a:off x="5334118" y="241358"/>
+            <a:ext cx="1154483" cy="584775"/>
+          </a:xfrm>
+          <a:prstGeom prst="rect">
+            <a:avLst/>
+          </a:prstGeom>
+          <a:noFill/>
+        </p:spPr>
+        <p:txBody>
+          <a:bodyPr wrap="none" rtlCol="0">
+            <a:spAutoFit/>
+          </a:bodyPr>
+          <a:lstStyle/>
+          <a:p>
+            <a:r>
+              <a:rPr lang="en-US" sz="3200" dirty="0" smtClean="0"/>
+              <a:t>Rider</a:t>
+            </a:r>
+            <a:endParaRPr lang="ru-RU" sz="3200" dirty="0"/>
+          </a:p>
+        </p:txBody>
+      </p:sp>
+    </p:spTree>
+    <p:extLst>
+      <p:ext uri="{BB962C8B-B14F-4D97-AF65-F5344CB8AC3E}">
+        <p14:creationId xmlns:p14="http://schemas.microsoft.com/office/powerpoint/2010/main" val="602575561"/>
+      </p:ext>
+    </p:extLst>
+  </p:cSld>
+  <p:clrMapOvr>
+    <a:masterClrMapping/>
+  </p:clrMapOvr>
+  <p:timing>
+    <p:tnLst>
+      <p:par>
+        <p:cTn id="1" dur="indefinite" restart="never" nodeType="tmRoot"/>
+      </p:par>
+    </p:tnLst>
+  </p:timing>
+</p:sld>
+</file>
+
+<file path=ppt/slides/slide15.xml><?xml version="1.0" encoding="utf-8"?>
+<p:sld xmlns:a="http://schemas.openxmlformats.org/drawingml/2006/main" xmlns:r="http://schemas.openxmlformats.org/officeDocument/2006/relationships" xmlns:p="http://schemas.openxmlformats.org/presentationml/2006/main">
+  <p:cSld>
+    <p:spTree>
+      <p:nvGrpSpPr>
+        <p:cNvPr id="1" name=""/>
+        <p:cNvGrpSpPr/>
+        <p:nvPr/>
+      </p:nvGrpSpPr>
+      <p:grpSpPr>
+        <a:xfrm>
+          <a:off x="0" y="0"/>
+          <a:ext cx="0" cy="0"/>
+          <a:chOff x="0" y="0"/>
+          <a:chExt cx="0" cy="0"/>
+        </a:xfrm>
+      </p:grpSpPr>
+      <p:pic>
+        <p:nvPicPr>
+          <p:cNvPr id="2" name="Рисунок 1"/>
+          <p:cNvPicPr>
+            <a:picLocks noChangeAspect="1"/>
+          </p:cNvPicPr>
+          <p:nvPr/>
+        </p:nvPicPr>
+        <p:blipFill>
+          <a:blip r:embed="rId2"/>
+          <a:stretch>
+            <a:fillRect/>
+          </a:stretch>
+        </p:blipFill>
+        <p:spPr>
+          <a:xfrm>
+            <a:off x="401516" y="714747"/>
+            <a:ext cx="8804028" cy="1938166"/>
+          </a:xfrm>
+          <a:prstGeom prst="rect">
+            <a:avLst/>
+          </a:prstGeom>
+          <a:ln>
+            <a:noFill/>
+          </a:ln>
+          <a:effectLst>
+            <a:outerShdw blurRad="190500" algn="tl" rotWithShape="0">
+              <a:srgbClr val="000000">
+                <a:alpha val="70000"/>
+              </a:srgbClr>
+            </a:outerShdw>
+          </a:effectLst>
+        </p:spPr>
+      </p:pic>
+      <p:pic>
+        <p:nvPicPr>
+          <p:cNvPr id="3" name="Рисунок 2"/>
+          <p:cNvPicPr>
+            <a:picLocks noChangeAspect="1"/>
+          </p:cNvPicPr>
+          <p:nvPr/>
+        </p:nvPicPr>
+        <p:blipFill>
+          <a:blip r:embed="rId3"/>
+          <a:stretch>
+            <a:fillRect/>
+          </a:stretch>
+        </p:blipFill>
+        <p:spPr>
+          <a:xfrm>
+            <a:off x="401516" y="2755319"/>
+            <a:ext cx="7432430" cy="3365480"/>
+          </a:xfrm>
+          <a:prstGeom prst="rect">
+            <a:avLst/>
+          </a:prstGeom>
+          <a:ln>
+            <a:noFill/>
+          </a:ln>
+          <a:effectLst>
+            <a:outerShdw blurRad="190500" algn="tl" rotWithShape="0">
+              <a:srgbClr val="000000">
+                <a:alpha val="70000"/>
+              </a:srgbClr>
+            </a:outerShdw>
+          </a:effectLst>
+        </p:spPr>
+      </p:pic>
+      <p:pic>
+        <p:nvPicPr>
+          <p:cNvPr id="4" name="Рисунок 3"/>
+          <p:cNvPicPr>
+            <a:picLocks noChangeAspect="1"/>
+          </p:cNvPicPr>
+          <p:nvPr/>
+        </p:nvPicPr>
+        <p:blipFill>
+          <a:blip r:embed="rId4"/>
+          <a:stretch>
+            <a:fillRect/>
+          </a:stretch>
+        </p:blipFill>
+        <p:spPr>
+          <a:xfrm>
+            <a:off x="7947753" y="2755319"/>
+            <a:ext cx="3084154" cy="3365480"/>
+          </a:xfrm>
+          <a:prstGeom prst="rect">
+            <a:avLst/>
+          </a:prstGeom>
+          <a:ln>
+            <a:noFill/>
+          </a:ln>
+          <a:effectLst>
+            <a:outerShdw blurRad="190500" algn="tl" rotWithShape="0">
+              <a:srgbClr val="000000">
+                <a:alpha val="70000"/>
+              </a:srgbClr>
+            </a:outerShdw>
+          </a:effectLst>
+        </p:spPr>
+      </p:pic>
+      <p:pic>
+        <p:nvPicPr>
+          <p:cNvPr id="5" name="Рисунок 4"/>
+          <p:cNvPicPr>
+            <a:picLocks noChangeAspect="1"/>
+          </p:cNvPicPr>
+          <p:nvPr/>
+        </p:nvPicPr>
+        <p:blipFill>
+          <a:blip r:embed="rId5"/>
+          <a:stretch>
+            <a:fillRect/>
+          </a:stretch>
+        </p:blipFill>
+        <p:spPr>
+          <a:xfrm>
+            <a:off x="2246919" y="6223205"/>
+            <a:ext cx="6185886" cy="532276"/>
+          </a:xfrm>
+          <a:prstGeom prst="rect">
+            <a:avLst/>
+          </a:prstGeom>
+          <a:ln>
+            <a:noFill/>
+          </a:ln>
+          <a:effectLst>
+            <a:outerShdw blurRad="190500" algn="tl" rotWithShape="0">
+              <a:srgbClr val="000000">
+                <a:alpha val="70000"/>
+              </a:srgbClr>
+            </a:outerShdw>
+          </a:effectLst>
+        </p:spPr>
+      </p:pic>
+      <p:sp>
+        <p:nvSpPr>
+          <p:cNvPr id="6" name="TextBox 5"/>
+          <p:cNvSpPr txBox="1"/>
+          <p:nvPr/>
+        </p:nvSpPr>
+        <p:spPr>
+          <a:xfrm>
+            <a:off x="3764462" y="27566"/>
+            <a:ext cx="3150799" cy="584775"/>
+          </a:xfrm>
+          <a:prstGeom prst="rect">
+            <a:avLst/>
+          </a:prstGeom>
+          <a:noFill/>
+        </p:spPr>
+        <p:txBody>
+          <a:bodyPr wrap="none" rtlCol="0">
+            <a:spAutoFit/>
+          </a:bodyPr>
+          <a:lstStyle/>
+          <a:p>
+            <a:r>
+              <a:rPr lang="en-US" sz="3200" dirty="0" smtClean="0"/>
+              <a:t>MS Visual Studio</a:t>
+            </a:r>
+            <a:endParaRPr lang="ru-RU" sz="3200" dirty="0"/>
+          </a:p>
+        </p:txBody>
+      </p:sp>
+    </p:spTree>
+    <p:extLst>
+      <p:ext uri="{BB962C8B-B14F-4D97-AF65-F5344CB8AC3E}">
+        <p14:creationId xmlns:p14="http://schemas.microsoft.com/office/powerpoint/2010/main" val="2846179675"/>
+      </p:ext>
+    </p:extLst>
+  </p:cSld>
+  <p:clrMapOvr>
+    <a:masterClrMapping/>
+  </p:clrMapOvr>
+  <p:timing>
+    <p:tnLst>
+      <p:par>
+        <p:cTn id="1" dur="indefinite" restart="never" nodeType="tmRoot"/>
+      </p:par>
+    </p:tnLst>
+  </p:timing>
+</p:sld>
+</file>
+
+<file path=ppt/slides/slide16.xml><?xml version="1.0" encoding="utf-8"?>
+<p:sld xmlns:a="http://schemas.openxmlformats.org/drawingml/2006/main" xmlns:r="http://schemas.openxmlformats.org/officeDocument/2006/relationships" xmlns:p="http://schemas.openxmlformats.org/presentationml/2006/main">
+  <p:cSld>
+    <p:spTree>
+      <p:nvGrpSpPr>
+        <p:cNvPr id="1" name=""/>
+        <p:cNvGrpSpPr/>
+        <p:nvPr/>
+      </p:nvGrpSpPr>
+      <p:grpSpPr>
+        <a:xfrm>
+          <a:off x="0" y="0"/>
+          <a:ext cx="0" cy="0"/>
+          <a:chOff x="0" y="0"/>
+          <a:chExt cx="0" cy="0"/>
+        </a:xfrm>
+      </p:grpSpPr>
+      <p:sp>
+        <p:nvSpPr>
+          <p:cNvPr id="2" name="Заголовок 1"/>
+          <p:cNvSpPr txBox="1">
+            <a:spLocks/>
+          </p:cNvSpPr>
+          <p:nvPr/>
+        </p:nvSpPr>
+        <p:spPr>
+          <a:xfrm>
+            <a:off x="1339794" y="2516588"/>
+            <a:ext cx="8955555" cy="1701260"/>
+          </a:xfrm>
+          <a:prstGeom prst="rect">
+            <a:avLst/>
+          </a:prstGeom>
+        </p:spPr>
+        <p:txBody>
+          <a:bodyPr>
+            <a:normAutofit fontScale="97500"/>
+          </a:bodyPr>
+          <a:lstStyle>
+            <a:lvl1pPr algn="l" defTabSz="457200" rtl="0" eaLnBrk="1" latinLnBrk="0" hangingPunct="1">
+              <a:spcBef>
+                <a:spcPct val="0"/>
+              </a:spcBef>
+              <a:buNone/>
+              <a:defRPr sz="3600" kern="1200">
+                <a:solidFill>
+                  <a:schemeClr val="accent1"/>
+                </a:solidFill>
+                <a:latin typeface="+mj-lt"/>
+                <a:ea typeface="+mj-ea"/>
+                <a:cs typeface="+mj-cs"/>
+              </a:defRPr>
+            </a:lvl1pPr>
+            <a:lvl2pPr eaLnBrk="1" hangingPunct="1">
+              <a:defRPr>
+                <a:solidFill>
+                  <a:schemeClr val="tx2"/>
+                </a:solidFill>
+              </a:defRPr>
+            </a:lvl2pPr>
+            <a:lvl3pPr eaLnBrk="1" hangingPunct="1">
+              <a:defRPr>
+                <a:solidFill>
+                  <a:schemeClr val="tx2"/>
+                </a:solidFill>
+              </a:defRPr>
+            </a:lvl3pPr>
+            <a:lvl4pPr eaLnBrk="1" hangingPunct="1">
+              <a:defRPr>
+                <a:solidFill>
+                  <a:schemeClr val="tx2"/>
+                </a:solidFill>
+              </a:defRPr>
+            </a:lvl4pPr>
+            <a:lvl5pPr eaLnBrk="1" hangingPunct="1">
+              <a:defRPr>
+                <a:solidFill>
+                  <a:schemeClr val="tx2"/>
+                </a:solidFill>
+              </a:defRPr>
+            </a:lvl5pPr>
+            <a:lvl6pPr eaLnBrk="1" hangingPunct="1">
+              <a:defRPr>
+                <a:solidFill>
+                  <a:schemeClr val="tx2"/>
+                </a:solidFill>
+              </a:defRPr>
+            </a:lvl6pPr>
+            <a:lvl7pPr eaLnBrk="1" hangingPunct="1">
+              <a:defRPr>
+                <a:solidFill>
+                  <a:schemeClr val="tx2"/>
+                </a:solidFill>
+              </a:defRPr>
+            </a:lvl7pPr>
+            <a:lvl8pPr eaLnBrk="1" hangingPunct="1">
+              <a:defRPr>
+                <a:solidFill>
+                  <a:schemeClr val="tx2"/>
+                </a:solidFill>
+              </a:defRPr>
+            </a:lvl8pPr>
+            <a:lvl9pPr eaLnBrk="1" hangingPunct="1">
+              <a:defRPr>
+                <a:solidFill>
+                  <a:schemeClr val="tx2"/>
+                </a:solidFill>
+              </a:defRPr>
+            </a:lvl9pPr>
+          </a:lstStyle>
+          <a:p>
+            <a:pPr algn="ctr"/>
+            <a:r>
+              <a:rPr lang="ru-RU" dirty="0"/>
+              <a:t>ПК 2.4. Осуществлять разработку тестовых наборов и тестовых сценариев для программного обеспечения</a:t>
+            </a:r>
+          </a:p>
+        </p:txBody>
+      </p:sp>
+      <p:sp>
+        <p:nvSpPr>
+          <p:cNvPr id="3" name="TextBox 2"/>
+          <p:cNvSpPr txBox="1"/>
+          <p:nvPr/>
+        </p:nvSpPr>
+        <p:spPr>
+          <a:xfrm>
+            <a:off x="465992" y="6348046"/>
+            <a:ext cx="2779928" cy="369332"/>
+          </a:xfrm>
+          <a:prstGeom prst="rect">
+            <a:avLst/>
+          </a:prstGeom>
+          <a:noFill/>
+        </p:spPr>
+        <p:txBody>
+          <a:bodyPr wrap="none" rtlCol="0">
+            <a:spAutoFit/>
+          </a:bodyPr>
+          <a:lstStyle/>
+          <a:p>
+            <a:r>
+              <a:rPr lang="ru-RU" dirty="0" smtClean="0"/>
+              <a:t>На примере </a:t>
+            </a:r>
+            <a:r>
+              <a:rPr lang="ru-RU" dirty="0" smtClean="0"/>
+              <a:t>проекта УП</a:t>
+            </a:r>
+            <a:endParaRPr lang="ru-RU" dirty="0"/>
+          </a:p>
+        </p:txBody>
+      </p:sp>
+    </p:spTree>
+    <p:extLst>
+      <p:ext uri="{BB962C8B-B14F-4D97-AF65-F5344CB8AC3E}">
+        <p14:creationId xmlns:p14="http://schemas.microsoft.com/office/powerpoint/2010/main" val="4046521736"/>
+      </p:ext>
+    </p:extLst>
+  </p:cSld>
+  <p:clrMapOvr>
+    <a:masterClrMapping/>
+  </p:clrMapOvr>
+  <p:timing>
+    <p:tnLst>
+      <p:par>
+        <p:cTn id="1" dur="indefinite" restart="never" nodeType="tmRoot"/>
+      </p:par>
+    </p:tnLst>
+  </p:timing>
+</p:sld>
+</file>
+
+<file path=ppt/slides/slide17.xml><?xml version="1.0" encoding="utf-8"?>
+<p:sld xmlns:a="http://schemas.openxmlformats.org/drawingml/2006/main" xmlns:r="http://schemas.openxmlformats.org/officeDocument/2006/relationships" xmlns:p="http://schemas.openxmlformats.org/presentationml/2006/main">
+  <p:cSld>
+    <p:spTree>
+      <p:nvGrpSpPr>
+        <p:cNvPr id="1" name=""/>
+        <p:cNvGrpSpPr/>
+        <p:nvPr/>
+      </p:nvGrpSpPr>
+      <p:grpSpPr>
+        <a:xfrm>
+          <a:off x="0" y="0"/>
+          <a:ext cx="0" cy="0"/>
+          <a:chOff x="0" y="0"/>
+          <a:chExt cx="0" cy="0"/>
+        </a:xfrm>
+      </p:grpSpPr>
+      <p:sp>
+        <p:nvSpPr>
+          <p:cNvPr id="3" name="TextBox 2"/>
+          <p:cNvSpPr txBox="1"/>
+          <p:nvPr/>
+        </p:nvSpPr>
+        <p:spPr>
+          <a:xfrm>
+            <a:off x="3539612" y="191729"/>
+            <a:ext cx="4057521" cy="584775"/>
+          </a:xfrm>
+          <a:prstGeom prst="rect">
+            <a:avLst/>
+          </a:prstGeom>
+          <a:noFill/>
+        </p:spPr>
+        <p:txBody>
+          <a:bodyPr wrap="none" rtlCol="0">
+            <a:spAutoFit/>
+          </a:bodyPr>
+          <a:lstStyle/>
+          <a:p>
+            <a:r>
+              <a:rPr lang="ru-RU" sz="3200" dirty="0" smtClean="0"/>
+              <a:t>Схема тестирования</a:t>
+            </a:r>
+            <a:endParaRPr lang="ru-RU" sz="3200" dirty="0"/>
+          </a:p>
+        </p:txBody>
+      </p:sp>
+      <p:pic>
+        <p:nvPicPr>
+          <p:cNvPr id="4" name="Рисунок 3"/>
+          <p:cNvPicPr/>
+          <p:nvPr/>
+        </p:nvPicPr>
+        <p:blipFill>
+          <a:blip r:embed="rId2"/>
+          <a:stretch>
+            <a:fillRect/>
+          </a:stretch>
+        </p:blipFill>
+        <p:spPr>
+          <a:xfrm>
+            <a:off x="603209" y="1233704"/>
+            <a:ext cx="11011518" cy="5049621"/>
+          </a:xfrm>
+          <a:prstGeom prst="rect">
+            <a:avLst/>
+          </a:prstGeom>
+          <a:ln>
+            <a:noFill/>
+          </a:ln>
+          <a:effectLst>
+            <a:outerShdw blurRad="292100" dist="139700" dir="2700000" algn="tl" rotWithShape="0">
+              <a:srgbClr val="333333">
+                <a:alpha val="65000"/>
+              </a:srgbClr>
+            </a:outerShdw>
+          </a:effectLst>
+        </p:spPr>
+      </p:pic>
+    </p:spTree>
+    <p:extLst>
+      <p:ext uri="{BB962C8B-B14F-4D97-AF65-F5344CB8AC3E}">
+        <p14:creationId xmlns:p14="http://schemas.microsoft.com/office/powerpoint/2010/main" val="1344000500"/>
+      </p:ext>
+    </p:extLst>
+  </p:cSld>
+  <p:clrMapOvr>
+    <a:masterClrMapping/>
+  </p:clrMapOvr>
+</p:sld>
+</file>
+
+<file path=ppt/slides/slide18.xml><?xml version="1.0" encoding="utf-8"?>
+<p:sld xmlns:a="http://schemas.openxmlformats.org/drawingml/2006/main" xmlns:r="http://schemas.openxmlformats.org/officeDocument/2006/relationships" xmlns:p="http://schemas.openxmlformats.org/presentationml/2006/main">
+  <p:cSld>
+    <p:spTree>
+      <p:nvGrpSpPr>
+        <p:cNvPr id="1" name=""/>
+        <p:cNvGrpSpPr/>
+        <p:nvPr/>
+      </p:nvGrpSpPr>
+      <p:grpSpPr>
+        <a:xfrm>
+          <a:off x="0" y="0"/>
+          <a:ext cx="0" cy="0"/>
+          <a:chOff x="0" y="0"/>
+          <a:chExt cx="0" cy="0"/>
+        </a:xfrm>
+      </p:grpSpPr>
+      <p:sp>
+        <p:nvSpPr>
+          <p:cNvPr id="2" name="TextBox 1"/>
+          <p:cNvSpPr txBox="1"/>
+          <p:nvPr/>
+        </p:nvSpPr>
+        <p:spPr>
+          <a:xfrm>
+            <a:off x="3760839" y="162232"/>
+            <a:ext cx="3817071" cy="584775"/>
+          </a:xfrm>
+          <a:prstGeom prst="rect">
+            <a:avLst/>
+          </a:prstGeom>
+          <a:noFill/>
+        </p:spPr>
+        <p:txBody>
+          <a:bodyPr wrap="none" rtlCol="0">
+            <a:spAutoFit/>
+          </a:bodyPr>
+          <a:lstStyle/>
+          <a:p>
+            <a:r>
+              <a:rPr lang="ru-RU" sz="3200" dirty="0" smtClean="0"/>
+              <a:t>Тестовые примеры</a:t>
+            </a:r>
+            <a:endParaRPr lang="ru-RU" sz="3200" dirty="0"/>
+          </a:p>
+        </p:txBody>
+      </p:sp>
+      <p:pic>
+        <p:nvPicPr>
+          <p:cNvPr id="3" name="Рисунок 2"/>
+          <p:cNvPicPr>
+            <a:picLocks noChangeAspect="1"/>
+          </p:cNvPicPr>
+          <p:nvPr/>
+        </p:nvPicPr>
+        <p:blipFill>
+          <a:blip r:embed="rId2"/>
+          <a:stretch>
+            <a:fillRect/>
+          </a:stretch>
+        </p:blipFill>
+        <p:spPr>
+          <a:xfrm>
+            <a:off x="1333348" y="1332345"/>
+            <a:ext cx="8672052" cy="4517776"/>
+          </a:xfrm>
+          <a:prstGeom prst="rect">
+            <a:avLst/>
+          </a:prstGeom>
+          <a:ln>
+            <a:noFill/>
+          </a:ln>
+          <a:effectLst>
+            <a:outerShdw blurRad="292100" dist="139700" dir="2700000" algn="tl" rotWithShape="0">
+              <a:srgbClr val="333333">
+                <a:alpha val="65000"/>
+              </a:srgbClr>
+            </a:outerShdw>
+          </a:effectLst>
+        </p:spPr>
+      </p:pic>
+    </p:spTree>
+    <p:extLst>
+      <p:ext uri="{BB962C8B-B14F-4D97-AF65-F5344CB8AC3E}">
+        <p14:creationId xmlns:p14="http://schemas.microsoft.com/office/powerpoint/2010/main" val="2121568017"/>
+      </p:ext>
+    </p:extLst>
+  </p:cSld>
+  <p:clrMapOvr>
+    <a:masterClrMapping/>
+  </p:clrMapOvr>
+</p:sld>
+</file>
+
+<file path=ppt/slides/slide19.xml><?xml version="1.0" encoding="utf-8"?>
+<p:sld xmlns:a="http://schemas.openxmlformats.org/drawingml/2006/main" xmlns:r="http://schemas.openxmlformats.org/officeDocument/2006/relationships" xmlns:p="http://schemas.openxmlformats.org/presentationml/2006/main">
+  <p:cSld>
+    <p:spTree>
+      <p:nvGrpSpPr>
+        <p:cNvPr id="1" name=""/>
+        <p:cNvGrpSpPr/>
+        <p:nvPr/>
+      </p:nvGrpSpPr>
+      <p:grpSpPr>
+        <a:xfrm>
+          <a:off x="0" y="0"/>
+          <a:ext cx="0" cy="0"/>
+          <a:chOff x="0" y="0"/>
+          <a:chExt cx="0" cy="0"/>
+        </a:xfrm>
+      </p:grpSpPr>
+      <p:pic>
+        <p:nvPicPr>
+          <p:cNvPr id="2" name="Рисунок 1"/>
+          <p:cNvPicPr>
+            <a:picLocks noChangeAspect="1"/>
+          </p:cNvPicPr>
+          <p:nvPr/>
+        </p:nvPicPr>
+        <p:blipFill>
+          <a:blip r:embed="rId2"/>
+          <a:stretch>
+            <a:fillRect/>
+          </a:stretch>
+        </p:blipFill>
+        <p:spPr>
+          <a:xfrm>
+            <a:off x="1243682" y="1017639"/>
+            <a:ext cx="8851384" cy="5384820"/>
+          </a:xfrm>
+          <a:prstGeom prst="rect">
+            <a:avLst/>
+          </a:prstGeom>
+          <a:ln>
+            <a:noFill/>
+          </a:ln>
+          <a:effectLst>
+            <a:outerShdw blurRad="292100" dist="139700" dir="2700000" algn="tl" rotWithShape="0">
+              <a:srgbClr val="333333">
+                <a:alpha val="65000"/>
+              </a:srgbClr>
+            </a:outerShdw>
+          </a:effectLst>
+        </p:spPr>
+      </p:pic>
+      <p:sp>
+        <p:nvSpPr>
+          <p:cNvPr id="3" name="TextBox 2"/>
+          <p:cNvSpPr txBox="1"/>
+          <p:nvPr/>
+        </p:nvSpPr>
+        <p:spPr>
+          <a:xfrm>
+            <a:off x="4503830" y="162232"/>
+            <a:ext cx="2331087" cy="584775"/>
+          </a:xfrm>
+          <a:prstGeom prst="rect">
+            <a:avLst/>
+          </a:prstGeom>
+          <a:noFill/>
+        </p:spPr>
+        <p:txBody>
+          <a:bodyPr wrap="none" rtlCol="0">
+            <a:spAutoFit/>
+          </a:bodyPr>
+          <a:lstStyle/>
+          <a:p>
+            <a:r>
+              <a:rPr lang="ru-RU" sz="3200" dirty="0" smtClean="0"/>
+              <a:t>Тест кейсы</a:t>
+            </a:r>
+            <a:endParaRPr lang="ru-RU" sz="3200" dirty="0"/>
+          </a:p>
+        </p:txBody>
+      </p:sp>
+    </p:spTree>
+    <p:extLst>
+      <p:ext uri="{BB962C8B-B14F-4D97-AF65-F5344CB8AC3E}">
+        <p14:creationId xmlns:p14="http://schemas.microsoft.com/office/powerpoint/2010/main" val="359310986"/>
+      </p:ext>
+    </p:extLst>
+  </p:cSld>
+  <p:clrMapOvr>
+    <a:masterClrMapping/>
+  </p:clrMapOvr>
+</p:sld>
+</file>
+
+<file path=ppt/slides/slide2.xml><?xml version="1.0" encoding="utf-8"?>
+<p:sld xmlns:a="http://schemas.openxmlformats.org/drawingml/2006/main" xmlns:r="http://schemas.openxmlformats.org/officeDocument/2006/relationships" xmlns:p="http://schemas.openxmlformats.org/presentationml/2006/main">
+  <p:cSld>
+    <p:spTree>
+      <p:nvGrpSpPr>
+        <p:cNvPr id="1" name=""/>
+        <p:cNvGrpSpPr/>
+        <p:nvPr/>
+      </p:nvGrpSpPr>
+      <p:grpSpPr>
+        <a:xfrm>
+          <a:off x="0" y="0"/>
+          <a:ext cx="0" cy="0"/>
+          <a:chOff x="0" y="0"/>
+          <a:chExt cx="0" cy="0"/>
+        </a:xfrm>
+      </p:grpSpPr>
+      <p:sp>
+        <p:nvSpPr>
+          <p:cNvPr id="4" name="Заголовок 1"/>
+          <p:cNvSpPr>
+            <a:spLocks noGrp="1"/>
+          </p:cNvSpPr>
+          <p:nvPr>
+            <p:ph type="title"/>
+          </p:nvPr>
+        </p:nvSpPr>
+        <p:spPr>
+          <a:xfrm>
+            <a:off x="1161265" y="298938"/>
+            <a:ext cx="8293906" cy="647713"/>
+          </a:xfrm>
+        </p:spPr>
+        <p:txBody>
+          <a:bodyPr>
+            <a:normAutofit/>
+          </a:bodyPr>
+          <a:lstStyle/>
+          <a:p>
+            <a:r>
+              <a:rPr lang="ru-RU" dirty="0" smtClean="0"/>
+              <a:t>Профессиональные компетенции:</a:t>
+            </a:r>
+            <a:endParaRPr lang="ru-RU" dirty="0"/>
+          </a:p>
+        </p:txBody>
+      </p:sp>
+      <p:sp>
+        <p:nvSpPr>
+          <p:cNvPr id="5" name="Объект 2"/>
+          <p:cNvSpPr>
+            <a:spLocks noGrp="1"/>
+          </p:cNvSpPr>
+          <p:nvPr>
+            <p:ph idx="1"/>
+          </p:nvPr>
+        </p:nvSpPr>
+        <p:spPr>
+          <a:xfrm>
+            <a:off x="1010538" y="1511512"/>
+            <a:ext cx="8595360" cy="4351337"/>
+          </a:xfrm>
+        </p:spPr>
+        <p:txBody>
+          <a:bodyPr>
+            <a:normAutofit/>
+          </a:bodyPr>
+          <a:lstStyle/>
+          <a:p>
+            <a:r>
+              <a:rPr lang="ru-RU" sz="2000" dirty="0">
+                <a:hlinkClick r:id="rId2" action="ppaction://hlinksldjump"/>
+              </a:rPr>
+              <a:t>ПК 2.1. Разрабатывать требования к программным модулям на основе анализа проектной и технической документации на предмет взаимодействия </a:t>
+            </a:r>
+            <a:r>
+              <a:rPr lang="ru-RU" sz="2000" dirty="0" smtClean="0">
+                <a:hlinkClick r:id="rId2" action="ppaction://hlinksldjump"/>
+              </a:rPr>
+              <a:t>компонент</a:t>
+            </a:r>
+            <a:endParaRPr lang="ru-RU" sz="2000" dirty="0" smtClean="0"/>
+          </a:p>
+          <a:p>
+            <a:r>
+              <a:rPr lang="ru-RU" sz="2000" dirty="0">
+                <a:hlinkClick r:id="rId3" action="ppaction://hlinksldjump"/>
+              </a:rPr>
+              <a:t>ПК 2.2. Выполнять интеграцию модулей в программное обеспечение</a:t>
+            </a:r>
+            <a:endParaRPr lang="ru-RU" sz="2000" dirty="0" smtClean="0"/>
+          </a:p>
+          <a:p>
+            <a:r>
+              <a:rPr lang="ru-RU" sz="2000" dirty="0">
+                <a:hlinkClick r:id="rId4" action="ppaction://hlinksldjump"/>
+              </a:rPr>
+              <a:t>ПК 2.3. Выполнять отладку программного модуля с использованием специализированных программных средств</a:t>
+            </a:r>
+            <a:endParaRPr lang="ru-RU" sz="2000" dirty="0" smtClean="0"/>
+          </a:p>
+          <a:p>
+            <a:r>
+              <a:rPr lang="ru-RU" sz="2000" dirty="0">
+                <a:hlinkClick r:id="rId5" action="ppaction://hlinksldjump"/>
+              </a:rPr>
+              <a:t>ПК 2.4. Осуществлять разработку тестовых наборов и тестовых сценариев для программного обеспечения</a:t>
+            </a:r>
+            <a:endParaRPr lang="ru-RU" sz="2000" dirty="0" smtClean="0"/>
+          </a:p>
+          <a:p>
+            <a:r>
+              <a:rPr lang="ru-RU" sz="2000" dirty="0">
+                <a:hlinkClick r:id="rId6" action="ppaction://hlinksldjump"/>
+              </a:rPr>
+              <a:t>ПК 2.5. Производить инспектирование компонент программного обеспечения на предмет соответствия стандартам </a:t>
+            </a:r>
+            <a:r>
+              <a:rPr lang="ru-RU" sz="2000" dirty="0" smtClean="0">
+                <a:hlinkClick r:id="rId6" action="ppaction://hlinksldjump"/>
+              </a:rPr>
+              <a:t>кодирования</a:t>
+            </a:r>
+            <a:endParaRPr lang="ru-RU" sz="2000" dirty="0"/>
+          </a:p>
+        </p:txBody>
+      </p:sp>
+    </p:spTree>
+    <p:extLst>
+      <p:ext uri="{BB962C8B-B14F-4D97-AF65-F5344CB8AC3E}">
+        <p14:creationId xmlns:p14="http://schemas.microsoft.com/office/powerpoint/2010/main" val="4069426251"/>
+      </p:ext>
+    </p:extLst>
+  </p:cSld>
+  <p:clrMapOvr>
+    <a:masterClrMapping/>
+  </p:clrMapOvr>
+  <p:timing>
+    <p:tnLst>
+      <p:par>
+        <p:cTn id="1" dur="indefinite" restart="never" nodeType="tmRoot"/>
+      </p:par>
+    </p:tnLst>
+  </p:timing>
+</p:sld>
+</file>
+
+<file path=ppt/slides/slide20.xml><?xml version="1.0" encoding="utf-8"?>
+<p:sld xmlns:a="http://schemas.openxmlformats.org/drawingml/2006/main" xmlns:r="http://schemas.openxmlformats.org/officeDocument/2006/relationships" xmlns:p="http://schemas.openxmlformats.org/presentationml/2006/main">
+  <p:cSld>
+    <p:spTree>
+      <p:nvGrpSpPr>
+        <p:cNvPr id="1" name=""/>
+        <p:cNvGrpSpPr/>
+        <p:nvPr/>
+      </p:nvGrpSpPr>
+      <p:grpSpPr>
+        <a:xfrm>
+          <a:off x="0" y="0"/>
+          <a:ext cx="0" cy="0"/>
+          <a:chOff x="0" y="0"/>
+          <a:chExt cx="0" cy="0"/>
+        </a:xfrm>
+      </p:grpSpPr>
+      <p:sp>
+        <p:nvSpPr>
           <p:cNvPr id="2" name="Заголовок 1"/>
           <p:cNvSpPr txBox="1">
             <a:spLocks/>
@@ -6185,6 +7722,40 @@
               <a:rPr lang="ru-RU" dirty="0"/>
               <a:t>ПК 2.5. Производить инспектирование компонент программного обеспечения на предмет соответствия стандартам кодирования</a:t>
             </a:r>
+          </a:p>
+        </p:txBody>
+      </p:sp>
+      <p:sp>
+        <p:nvSpPr>
+          <p:cNvPr id="3" name="TextBox 2"/>
+          <p:cNvSpPr txBox="1"/>
+          <p:nvPr/>
+        </p:nvSpPr>
+        <p:spPr>
+          <a:xfrm>
+            <a:off x="465992" y="6348046"/>
+            <a:ext cx="3498073" cy="369332"/>
+          </a:xfrm>
+          <a:prstGeom prst="rect">
+            <a:avLst/>
+          </a:prstGeom>
+          <a:noFill/>
+        </p:spPr>
+        <p:txBody>
+          <a:bodyPr wrap="none" rtlCol="0">
+            <a:spAutoFit/>
+          </a:bodyPr>
+          <a:lstStyle/>
+          <a:p>
+            <a:r>
+              <a:rPr lang="ru-RU" dirty="0" smtClean="0"/>
+              <a:t>На примере </a:t>
+            </a:r>
+            <a:r>
+              <a:rPr lang="ru-RU" dirty="0" smtClean="0"/>
+              <a:t>курсового проекта</a:t>
+            </a:r>
+            <a:endParaRPr lang="ru-RU" dirty="0"/>
           </a:p>
         </p:txBody>
       </p:sp>
@@ -6208,7 +7779,7 @@
 </p:sld>
 </file>
 
-<file path=ppt/slides/slide2.xml><?xml version="1.0" encoding="utf-8"?>
+<file path=ppt/slides/slide21.xml><?xml version="1.0" encoding="utf-8"?>
 <p:sld xmlns:a="http://schemas.openxmlformats.org/drawingml/2006/main" xmlns:r="http://schemas.openxmlformats.org/officeDocument/2006/relationships" xmlns:p="http://schemas.openxmlformats.org/presentationml/2006/main">
   <p:cSld>
     <p:spTree>
@@ -6225,133 +7796,220 @@
           <a:chExt cx="0" cy="0"/>
         </a:xfrm>
       </p:grpSpPr>
-      <p:sp>
-        <p:nvSpPr>
-          <p:cNvPr id="4" name="Заголовок 1"/>
-          <p:cNvSpPr>
-            <a:spLocks noGrp="1"/>
-          </p:cNvSpPr>
-          <p:nvPr>
-            <p:ph type="title"/>
-          </p:nvPr>
-        </p:nvSpPr>
-        <p:spPr>
-          <a:xfrm>
-            <a:off x="1161265" y="298938"/>
-            <a:ext cx="8293906" cy="647713"/>
-          </a:xfrm>
-        </p:spPr>
-        <p:txBody>
-          <a:bodyPr>
-            <a:normAutofit/>
+      <p:pic>
+        <p:nvPicPr>
+          <p:cNvPr id="3" name="Рисунок 2"/>
+          <p:cNvPicPr>
+            <a:picLocks noChangeAspect="1"/>
+          </p:cNvPicPr>
+          <p:nvPr/>
+        </p:nvPicPr>
+        <p:blipFill>
+          <a:blip r:embed="rId2"/>
+          <a:stretch>
+            <a:fillRect/>
+          </a:stretch>
+        </p:blipFill>
+        <p:spPr>
+          <a:xfrm>
+            <a:off x="1956240" y="1076633"/>
+            <a:ext cx="7353744" cy="1991032"/>
+          </a:xfrm>
+          <a:prstGeom prst="rect">
+            <a:avLst/>
+          </a:prstGeom>
+        </p:spPr>
+      </p:pic>
+      <p:pic>
+        <p:nvPicPr>
+          <p:cNvPr id="4" name="Рисунок 3"/>
+          <p:cNvPicPr>
+            <a:picLocks noChangeAspect="1"/>
+          </p:cNvPicPr>
+          <p:nvPr/>
+        </p:nvPicPr>
+        <p:blipFill>
+          <a:blip r:embed="rId3"/>
+          <a:stretch>
+            <a:fillRect/>
+          </a:stretch>
+        </p:blipFill>
+        <p:spPr>
+          <a:xfrm>
+            <a:off x="1184379" y="3216360"/>
+            <a:ext cx="8897466" cy="1649400"/>
+          </a:xfrm>
+          <a:prstGeom prst="rect">
+            <a:avLst/>
+          </a:prstGeom>
+        </p:spPr>
+      </p:pic>
+      <p:pic>
+        <p:nvPicPr>
+          <p:cNvPr id="5" name="Рисунок 4"/>
+          <p:cNvPicPr>
+            <a:picLocks noChangeAspect="1"/>
+          </p:cNvPicPr>
+          <p:nvPr/>
+        </p:nvPicPr>
+        <p:blipFill>
+          <a:blip r:embed="rId4"/>
+          <a:stretch>
+            <a:fillRect/>
+          </a:stretch>
+        </p:blipFill>
+        <p:spPr>
+          <a:xfrm>
+            <a:off x="1184379" y="5014455"/>
+            <a:ext cx="8897466" cy="1519078"/>
+          </a:xfrm>
+          <a:prstGeom prst="rect">
+            <a:avLst/>
+          </a:prstGeom>
+        </p:spPr>
+      </p:pic>
+      <p:sp>
+        <p:nvSpPr>
+          <p:cNvPr id="6" name="TextBox 5"/>
+          <p:cNvSpPr txBox="1"/>
+          <p:nvPr/>
+        </p:nvSpPr>
+        <p:spPr>
+          <a:xfrm>
+            <a:off x="2316338" y="125123"/>
+            <a:ext cx="6633547" cy="584775"/>
+          </a:xfrm>
+          <a:prstGeom prst="rect">
+            <a:avLst/>
+          </a:prstGeom>
+          <a:noFill/>
+        </p:spPr>
+        <p:txBody>
+          <a:bodyPr wrap="none" rtlCol="0">
+            <a:spAutoFit/>
           </a:bodyPr>
           <a:lstStyle/>
           <a:p>
             <a:r>
-              <a:rPr lang="ru-RU" dirty="0" smtClean="0"/>
-              <a:t>Профессиональные компетенции:</a:t>
-            </a:r>
-            <a:endParaRPr lang="ru-RU" dirty="0"/>
-          </a:p>
-        </p:txBody>
-      </p:sp>
-      <p:sp>
-        <p:nvSpPr>
-          <p:cNvPr id="5" name="Объект 2"/>
-          <p:cNvSpPr>
-            <a:spLocks noGrp="1"/>
-          </p:cNvSpPr>
-          <p:nvPr>
-            <p:ph idx="1"/>
-          </p:nvPr>
-        </p:nvSpPr>
-        <p:spPr>
-          <a:xfrm>
-            <a:off x="1010538" y="1511512"/>
-            <a:ext cx="8595360" cy="4351337"/>
-          </a:xfrm>
-        </p:spPr>
-        <p:txBody>
-          <a:bodyPr>
-            <a:normAutofit/>
-          </a:bodyPr>
-          <a:lstStyle/>
-          <a:p>
-            <a:r>
-              <a:rPr lang="ru-RU" sz="2000" dirty="0">
-                <a:hlinkClick r:id="rId2" action="ppaction://hlinksldjump"/>
-              </a:rPr>
-              <a:t>ПК 2.1. Разрабатывать требования к программным модулям на основе анализа проектной и технической документации на предмет взаимодействия </a:t>
-            </a:r>
-            <a:r>
-              <a:rPr lang="ru-RU" sz="2000" dirty="0" smtClean="0">
-                <a:hlinkClick r:id="rId2" action="ppaction://hlinksldjump"/>
-              </a:rPr>
-              <a:t>компонент</a:t>
-            </a:r>
-            <a:endParaRPr lang="ru-RU" sz="2000" dirty="0" smtClean="0"/>
-          </a:p>
-          <a:p>
-            <a:r>
-              <a:rPr lang="ru-RU" sz="2000" dirty="0">
-                <a:hlinkClick r:id="rId3" action="ppaction://hlinksldjump"/>
-              </a:rPr>
-              <a:t>ПК 2.2. Выполнять интеграцию модулей в программное обеспечение</a:t>
-            </a:r>
-            <a:endParaRPr lang="ru-RU" sz="2000" dirty="0" smtClean="0"/>
-          </a:p>
-          <a:p>
-            <a:r>
-              <a:rPr lang="ru-RU" sz="2000" dirty="0">
-                <a:hlinkClick r:id="rId4" action="ppaction://hlinksldjump"/>
-              </a:rPr>
-              <a:t>ПК 2.3. Выполнять отладку программного модуля с использованием специализированных программных средств</a:t>
-            </a:r>
-            <a:endParaRPr lang="ru-RU" sz="2000" dirty="0" smtClean="0"/>
-          </a:p>
-          <a:p>
-            <a:r>
-              <a:rPr lang="ru-RU" sz="2000" dirty="0">
-                <a:hlinkClick r:id="rId5" action="ppaction://hlinksldjump"/>
-              </a:rPr>
-              <a:t>ПК 2.4. Осуществлять разработку тестовых наборов и тестовых сценариев для программного обеспечения</a:t>
-            </a:r>
-            <a:endParaRPr lang="ru-RU" sz="2000" dirty="0" smtClean="0"/>
-          </a:p>
-          <a:p>
-            <a:r>
-              <a:rPr lang="ru-RU" sz="2000" dirty="0">
-                <a:hlinkClick r:id="rId6" action="ppaction://hlinksldjump"/>
-              </a:rPr>
-              <a:t>ПК 2.5. Производить инспектирование компонент программного обеспечения на предмет соответствия стандартам </a:t>
-            </a:r>
-            <a:r>
-              <a:rPr lang="ru-RU" sz="2000" dirty="0" smtClean="0">
-                <a:hlinkClick r:id="rId6" action="ppaction://hlinksldjump"/>
-              </a:rPr>
-              <a:t>кодирования</a:t>
-            </a:r>
-            <a:endParaRPr lang="ru-RU" sz="2000" dirty="0"/>
+              <a:rPr lang="ru-RU" sz="3200" dirty="0" smtClean="0"/>
+              <a:t>Нарушение правил наименования</a:t>
+            </a:r>
+            <a:endParaRPr lang="ru-RU" sz="3200" dirty="0"/>
           </a:p>
         </p:txBody>
       </p:sp>
     </p:spTree>
     <p:extLst>
       <p:ext uri="{BB962C8B-B14F-4D97-AF65-F5344CB8AC3E}">
-        <p14:creationId xmlns:p14="http://schemas.microsoft.com/office/powerpoint/2010/main" val="4069426251"/>
+        <p14:creationId xmlns:p14="http://schemas.microsoft.com/office/powerpoint/2010/main" val="1307435918"/>
       </p:ext>
     </p:extLst>
   </p:cSld>
   <p:clrMapOvr>
     <a:masterClrMapping/>
   </p:clrMapOvr>
-  <p:timing>
-    <p:tnLst>
-      <p:par>
-        <p:cTn id="1" dur="indefinite" restart="never" nodeType="tmRoot"/>
-      </p:par>
-    </p:tnLst>
-  </p:timing>
+</p:sld>
+</file>
+
+<file path=ppt/slides/slide22.xml><?xml version="1.0" encoding="utf-8"?>
+<p:sld xmlns:a="http://schemas.openxmlformats.org/drawingml/2006/main" xmlns:r="http://schemas.openxmlformats.org/officeDocument/2006/relationships" xmlns:p="http://schemas.openxmlformats.org/presentationml/2006/main">
+  <p:cSld>
+    <p:spTree>
+      <p:nvGrpSpPr>
+        <p:cNvPr id="1" name=""/>
+        <p:cNvGrpSpPr/>
+        <p:nvPr/>
+      </p:nvGrpSpPr>
+      <p:grpSpPr>
+        <a:xfrm>
+          <a:off x="0" y="0"/>
+          <a:ext cx="0" cy="0"/>
+          <a:chOff x="0" y="0"/>
+          <a:chExt cx="0" cy="0"/>
+        </a:xfrm>
+      </p:grpSpPr>
+      <p:pic>
+        <p:nvPicPr>
+          <p:cNvPr id="2" name="Рисунок 1"/>
+          <p:cNvPicPr>
+            <a:picLocks noChangeAspect="1"/>
+          </p:cNvPicPr>
+          <p:nvPr/>
+        </p:nvPicPr>
+        <p:blipFill>
+          <a:blip r:embed="rId2"/>
+          <a:stretch>
+            <a:fillRect/>
+          </a:stretch>
+        </p:blipFill>
+        <p:spPr>
+          <a:xfrm>
+            <a:off x="1667591" y="1238866"/>
+            <a:ext cx="7853928" cy="929146"/>
+          </a:xfrm>
+          <a:prstGeom prst="rect">
+            <a:avLst/>
+          </a:prstGeom>
+        </p:spPr>
+      </p:pic>
+      <p:pic>
+        <p:nvPicPr>
+          <p:cNvPr id="3" name="Рисунок 2"/>
+          <p:cNvPicPr>
+            <a:picLocks noChangeAspect="1"/>
+          </p:cNvPicPr>
+          <p:nvPr/>
+        </p:nvPicPr>
+        <p:blipFill>
+          <a:blip r:embed="rId3"/>
+          <a:stretch>
+            <a:fillRect/>
+          </a:stretch>
+        </p:blipFill>
+        <p:spPr>
+          <a:xfrm>
+            <a:off x="1667591" y="2280746"/>
+            <a:ext cx="7853928" cy="2561978"/>
+          </a:xfrm>
+          <a:prstGeom prst="rect">
+            <a:avLst/>
+          </a:prstGeom>
+        </p:spPr>
+      </p:pic>
+      <p:pic>
+        <p:nvPicPr>
+          <p:cNvPr id="4" name="Рисунок 3"/>
+          <p:cNvPicPr>
+            <a:picLocks noChangeAspect="1"/>
+          </p:cNvPicPr>
+          <p:nvPr/>
+        </p:nvPicPr>
+        <p:blipFill>
+          <a:blip r:embed="rId4"/>
+          <a:stretch>
+            <a:fillRect/>
+          </a:stretch>
+        </p:blipFill>
+        <p:spPr>
+          <a:xfrm>
+            <a:off x="1667591" y="4955458"/>
+            <a:ext cx="7909442" cy="949134"/>
+          </a:xfrm>
+          <a:prstGeom prst="rect">
+            <a:avLst/>
+          </a:prstGeom>
+        </p:spPr>
+      </p:pic>
+    </p:spTree>
+    <p:extLst>
+      <p:ext uri="{BB962C8B-B14F-4D97-AF65-F5344CB8AC3E}">
+        <p14:creationId xmlns:p14="http://schemas.microsoft.com/office/powerpoint/2010/main" val="1820743780"/>
+      </p:ext>
+    </p:extLst>
+  </p:cSld>
+  <p:clrMapOvr>
+    <a:masterClrMapping/>
+  </p:clrMapOvr>
 </p:sld>
 </file>
 
@@ -6548,22 +8206,27 @@
       </p:grpSpPr>
       <p:pic>
         <p:nvPicPr>
-          <p:cNvPr id="3" name="Рисунок 2"/>
+          <p:cNvPr id="2" name="Рисунок 1"/>
           <p:cNvPicPr>
             <a:picLocks noChangeAspect="1"/>
           </p:cNvPicPr>
           <p:nvPr/>
         </p:nvPicPr>
-        <p:blipFill>
-          <a:blip r:embed="rId2"/>
-          <a:stretch>
-            <a:fillRect/>
-          </a:stretch>
+        <p:blipFill rotWithShape="1">
+          <a:blip r:embed="rId2">
+            <a:extLst>
+              <a:ext uri="{28A0092B-C50C-407E-A947-70E740481C1C}">
+                <a14:useLocalDpi xmlns:a14="http://schemas.microsoft.com/office/drawing/2010/main" val="0"/>
+              </a:ext>
+            </a:extLst>
+          </a:blip>
+          <a:srcRect t="11909" b="9458"/>
+          <a:stretch/>
         </p:blipFill>
         <p:spPr>
           <a:xfrm>
-            <a:off x="612531" y="954067"/>
-            <a:ext cx="5445370" cy="5635666"/>
+            <a:off x="1056967" y="1311494"/>
+            <a:ext cx="9576620" cy="5208406"/>
           </a:xfrm>
           <a:prstGeom prst="rect">
             <a:avLst/>
@@ -6572,97 +8235,24 @@
             <a:noFill/>
           </a:ln>
           <a:effectLst>
-            <a:outerShdw blurRad="190500" algn="tl" rotWithShape="0">
-              <a:srgbClr val="000000">
-                <a:alpha val="70000"/>
+            <a:outerShdw blurRad="292100" dist="139700" dir="2700000" algn="tl" rotWithShape="0">
+              <a:srgbClr val="333333">
+                <a:alpha val="65000"/>
               </a:srgbClr>
             </a:outerShdw>
           </a:effectLst>
         </p:spPr>
       </p:pic>
-      <p:pic>
-        <p:nvPicPr>
-          <p:cNvPr id="4" name="Рисунок 3"/>
-          <p:cNvPicPr>
-            <a:picLocks noChangeAspect="1"/>
-          </p:cNvPicPr>
-          <p:nvPr/>
-        </p:nvPicPr>
-        <p:blipFill>
-          <a:blip r:embed="rId3"/>
-          <a:stretch>
-            <a:fillRect/>
-          </a:stretch>
-        </p:blipFill>
-        <p:spPr>
-          <a:xfrm>
-            <a:off x="6362701" y="954067"/>
-            <a:ext cx="3827584" cy="3288488"/>
-          </a:xfrm>
-          <a:prstGeom prst="rect">
-            <a:avLst/>
-          </a:prstGeom>
-          <a:ln>
-            <a:noFill/>
-          </a:ln>
-          <a:effectLst>
-            <a:outerShdw blurRad="190500" algn="tl" rotWithShape="0">
-              <a:srgbClr val="000000">
-                <a:alpha val="70000"/>
-              </a:srgbClr>
-            </a:outerShdw>
-          </a:effectLst>
-        </p:spPr>
-      </p:pic>
-      <p:pic>
-        <p:nvPicPr>
-          <p:cNvPr id="5" name="Рисунок 4" descr="D:\Work\DPStuffProvider\Res\Screenshot_2.png"/>
-          <p:cNvPicPr/>
-          <p:nvPr/>
-        </p:nvPicPr>
-        <p:blipFill>
-          <a:blip r:embed="rId4" cstate="print">
-            <a:extLst>
-              <a:ext uri="{28A0092B-C50C-407E-A947-70E740481C1C}">
-                <a14:useLocalDpi xmlns:a14="http://schemas.microsoft.com/office/drawing/2010/main" val="0"/>
-              </a:ext>
-            </a:extLst>
-          </a:blip>
-          <a:srcRect/>
-          <a:stretch>
-            <a:fillRect/>
-          </a:stretch>
-        </p:blipFill>
-        <p:spPr bwMode="auto">
-          <a:xfrm>
-            <a:off x="6362699" y="4451357"/>
-            <a:ext cx="3827586" cy="2138376"/>
-          </a:xfrm>
-          <a:prstGeom prst="rect">
-            <a:avLst/>
-          </a:prstGeom>
-          <a:ln>
-            <a:noFill/>
-          </a:ln>
-          <a:effectLst>
-            <a:outerShdw blurRad="190500" algn="tl" rotWithShape="0">
-              <a:srgbClr val="000000">
-                <a:alpha val="70000"/>
-              </a:srgbClr>
-            </a:outerShdw>
-          </a:effectLst>
-        </p:spPr>
-      </p:pic>
-      <p:sp>
-        <p:nvSpPr>
-          <p:cNvPr id="6" name="TextBox 5"/>
+      <p:sp>
+        <p:nvSpPr>
+          <p:cNvPr id="3" name="TextBox 2"/>
           <p:cNvSpPr txBox="1"/>
           <p:nvPr/>
         </p:nvSpPr>
         <p:spPr>
           <a:xfrm>
-            <a:off x="1732085" y="160490"/>
-            <a:ext cx="8151590" cy="584775"/>
+            <a:off x="4601186" y="353961"/>
+            <a:ext cx="2488182" cy="584775"/>
           </a:xfrm>
           <a:prstGeom prst="rect">
             <a:avLst/>
@@ -6676,8 +8266,12 @@
           <a:lstStyle/>
           <a:p>
             <a:r>
+              <a:rPr lang="en-US" sz="3200" dirty="0" smtClean="0"/>
+              <a:t>IDEF0 </a:t>
+            </a:r>
+            <a:r>
               <a:rPr lang="ru-RU" sz="3200" dirty="0" smtClean="0"/>
-              <a:t>Требования на основе тех. документации</a:t>
+              <a:t>Схема</a:t>
             </a:r>
             <a:endParaRPr lang="ru-RU" sz="3200" dirty="0"/>
           </a:p>
@@ -6686,7 +8280,7 @@
     </p:spTree>
     <p:extLst>
       <p:ext uri="{BB962C8B-B14F-4D97-AF65-F5344CB8AC3E}">
-        <p14:creationId xmlns:p14="http://schemas.microsoft.com/office/powerpoint/2010/main" val="3274793562"/>
+        <p14:creationId xmlns:p14="http://schemas.microsoft.com/office/powerpoint/2010/main" val="1407347798"/>
       </p:ext>
     </p:extLst>
   </p:cSld>
@@ -6713,125 +8307,85 @@
           <a:chExt cx="0" cy="0"/>
         </a:xfrm>
       </p:grpSpPr>
-      <p:sp>
-        <p:nvSpPr>
-          <p:cNvPr id="2" name="Заголовок 1"/>
-          <p:cNvSpPr txBox="1">
-            <a:spLocks/>
-          </p:cNvSpPr>
+      <p:pic>
+        <p:nvPicPr>
+          <p:cNvPr id="3" name="Рисунок 2"/>
+          <p:cNvPicPr>
+            <a:picLocks noChangeAspect="1"/>
+          </p:cNvPicPr>
           <p:nvPr/>
-        </p:nvSpPr>
-        <p:spPr>
-          <a:xfrm>
-            <a:off x="1339794" y="2516588"/>
-            <a:ext cx="8955555" cy="1701260"/>
+        </p:nvPicPr>
+        <p:blipFill rotWithShape="1">
+          <a:blip r:embed="rId2">
+            <a:extLst>
+              <a:ext uri="{28A0092B-C50C-407E-A947-70E740481C1C}">
+                <a14:useLocalDpi xmlns:a14="http://schemas.microsoft.com/office/drawing/2010/main" val="0"/>
+              </a:ext>
+            </a:extLst>
+          </a:blip>
+          <a:srcRect b="11390"/>
+          <a:stretch/>
+        </p:blipFill>
+        <p:spPr>
+          <a:xfrm>
+            <a:off x="644013" y="846997"/>
+            <a:ext cx="10638504" cy="5783438"/>
           </a:xfrm>
           <a:prstGeom prst="rect">
             <a:avLst/>
           </a:prstGeom>
-        </p:spPr>
-        <p:txBody>
-          <a:bodyPr>
-            <a:normAutofit fontScale="97500"/>
+          <a:ln>
+            <a:noFill/>
+          </a:ln>
+          <a:effectLst>
+            <a:outerShdw blurRad="292100" dist="139700" dir="2700000" algn="tl" rotWithShape="0">
+              <a:srgbClr val="333333">
+                <a:alpha val="65000"/>
+              </a:srgbClr>
+            </a:outerShdw>
+          </a:effectLst>
+        </p:spPr>
+      </p:pic>
+      <p:sp>
+        <p:nvSpPr>
+          <p:cNvPr id="4" name="TextBox 3"/>
+          <p:cNvSpPr txBox="1"/>
+          <p:nvPr/>
+        </p:nvSpPr>
+        <p:spPr>
+          <a:xfrm>
+            <a:off x="4489945" y="117987"/>
+            <a:ext cx="2946640" cy="584775"/>
+          </a:xfrm>
+          <a:prstGeom prst="rect">
+            <a:avLst/>
+          </a:prstGeom>
+          <a:noFill/>
+        </p:spPr>
+        <p:txBody>
+          <a:bodyPr wrap="none" rtlCol="0">
+            <a:spAutoFit/>
           </a:bodyPr>
-          <a:lstStyle>
-            <a:lvl1pPr algn="l" defTabSz="457200" rtl="0" eaLnBrk="1" latinLnBrk="0" hangingPunct="1">
-              <a:spcBef>
-                <a:spcPct val="0"/>
-              </a:spcBef>
-              <a:buNone/>
-              <a:defRPr sz="3600" kern="1200">
-                <a:solidFill>
-                  <a:schemeClr val="accent1"/>
-                </a:solidFill>
-                <a:latin typeface="+mj-lt"/>
-                <a:ea typeface="+mj-ea"/>
-                <a:cs typeface="+mj-cs"/>
-              </a:defRPr>
-            </a:lvl1pPr>
-            <a:lvl2pPr eaLnBrk="1" hangingPunct="1">
-              <a:defRPr>
-                <a:solidFill>
-                  <a:schemeClr val="tx2"/>
-                </a:solidFill>
-              </a:defRPr>
-            </a:lvl2pPr>
-            <a:lvl3pPr eaLnBrk="1" hangingPunct="1">
-              <a:defRPr>
-                <a:solidFill>
-                  <a:schemeClr val="tx2"/>
-                </a:solidFill>
-              </a:defRPr>
-            </a:lvl3pPr>
-            <a:lvl4pPr eaLnBrk="1" hangingPunct="1">
-              <a:defRPr>
-                <a:solidFill>
-                  <a:schemeClr val="tx2"/>
-                </a:solidFill>
-              </a:defRPr>
-            </a:lvl4pPr>
-            <a:lvl5pPr eaLnBrk="1" hangingPunct="1">
-              <a:defRPr>
-                <a:solidFill>
-                  <a:schemeClr val="tx2"/>
-                </a:solidFill>
-              </a:defRPr>
-            </a:lvl5pPr>
-            <a:lvl6pPr eaLnBrk="1" hangingPunct="1">
-              <a:defRPr>
-                <a:solidFill>
-                  <a:schemeClr val="tx2"/>
-                </a:solidFill>
-              </a:defRPr>
-            </a:lvl6pPr>
-            <a:lvl7pPr eaLnBrk="1" hangingPunct="1">
-              <a:defRPr>
-                <a:solidFill>
-                  <a:schemeClr val="tx2"/>
-                </a:solidFill>
-              </a:defRPr>
-            </a:lvl7pPr>
-            <a:lvl8pPr eaLnBrk="1" hangingPunct="1">
-              <a:defRPr>
-                <a:solidFill>
-                  <a:schemeClr val="tx2"/>
-                </a:solidFill>
-              </a:defRPr>
-            </a:lvl8pPr>
-            <a:lvl9pPr eaLnBrk="1" hangingPunct="1">
-              <a:defRPr>
-                <a:solidFill>
-                  <a:schemeClr val="tx2"/>
-                </a:solidFill>
-              </a:defRPr>
-            </a:lvl9pPr>
-          </a:lstStyle>
-          <a:p>
-            <a:pPr algn="ctr"/>
-            <a:r>
-              <a:rPr lang="ru-RU" dirty="0"/>
-              <a:t>ПК 2.2. Выполнять интеграцию модулей в программное обеспечение</a:t>
-            </a:r>
+          <a:lstStyle/>
+          <a:p>
+            <a:r>
+              <a:rPr lang="ru-RU" sz="3200" dirty="0" smtClean="0"/>
+              <a:t>Декомпозиция</a:t>
+            </a:r>
+            <a:endParaRPr lang="ru-RU" sz="3200" dirty="0"/>
           </a:p>
         </p:txBody>
       </p:sp>
     </p:spTree>
     <p:extLst>
       <p:ext uri="{BB962C8B-B14F-4D97-AF65-F5344CB8AC3E}">
-        <p14:creationId xmlns:p14="http://schemas.microsoft.com/office/powerpoint/2010/main" val="2772563981"/>
+        <p14:creationId xmlns:p14="http://schemas.microsoft.com/office/powerpoint/2010/main" val="2628077797"/>
       </p:ext>
     </p:extLst>
   </p:cSld>
   <p:clrMapOvr>
     <a:masterClrMapping/>
   </p:clrMapOvr>
-  <p:timing>
-    <p:tnLst>
-      <p:par>
-        <p:cTn id="1" dur="indefinite" restart="never" nodeType="tmRoot"/>
-      </p:par>
-    </p:tnLst>
-  </p:timing>
 </p:sld>
 </file>
 
@@ -6852,118 +8406,56 @@
           <a:chExt cx="0" cy="0"/>
         </a:xfrm>
       </p:grpSpPr>
-      <p:sp>
-        <p:nvSpPr>
-          <p:cNvPr id="2" name="Заголовок 1"/>
-          <p:cNvSpPr txBox="1">
-            <a:spLocks/>
-          </p:cNvSpPr>
+      <p:pic>
+        <p:nvPicPr>
+          <p:cNvPr id="3" name="Рисунок 2"/>
+          <p:cNvPicPr>
+            <a:picLocks noChangeAspect="1"/>
+          </p:cNvPicPr>
           <p:nvPr/>
-        </p:nvSpPr>
-        <p:spPr>
-          <a:xfrm>
-            <a:off x="1339794" y="2516588"/>
-            <a:ext cx="8955555" cy="1701260"/>
+        </p:nvPicPr>
+        <p:blipFill>
+          <a:blip r:embed="rId2" cstate="print">
+            <a:extLst>
+              <a:ext uri="{28A0092B-C50C-407E-A947-70E740481C1C}">
+                <a14:useLocalDpi xmlns:a14="http://schemas.microsoft.com/office/drawing/2010/main" val="0"/>
+              </a:ext>
+            </a:extLst>
+          </a:blip>
+          <a:stretch>
+            <a:fillRect/>
+          </a:stretch>
+        </p:blipFill>
+        <p:spPr>
+          <a:xfrm>
+            <a:off x="775330" y="2418735"/>
+            <a:ext cx="10248048" cy="2433484"/>
           </a:xfrm>
           <a:prstGeom prst="rect">
             <a:avLst/>
           </a:prstGeom>
-        </p:spPr>
-        <p:txBody>
-          <a:bodyPr>
-            <a:normAutofit fontScale="90000"/>
-          </a:bodyPr>
-          <a:lstStyle>
-            <a:lvl1pPr algn="l" defTabSz="457200" rtl="0" eaLnBrk="1" latinLnBrk="0" hangingPunct="1">
-              <a:spcBef>
-                <a:spcPct val="0"/>
-              </a:spcBef>
-              <a:buNone/>
-              <a:defRPr sz="3600" kern="1200">
-                <a:solidFill>
-                  <a:schemeClr val="accent1"/>
-                </a:solidFill>
-                <a:latin typeface="+mj-lt"/>
-                <a:ea typeface="+mj-ea"/>
-                <a:cs typeface="+mj-cs"/>
-              </a:defRPr>
-            </a:lvl1pPr>
-            <a:lvl2pPr eaLnBrk="1" hangingPunct="1">
-              <a:defRPr>
-                <a:solidFill>
-                  <a:schemeClr val="tx2"/>
-                </a:solidFill>
-              </a:defRPr>
-            </a:lvl2pPr>
-            <a:lvl3pPr eaLnBrk="1" hangingPunct="1">
-              <a:defRPr>
-                <a:solidFill>
-                  <a:schemeClr val="tx2"/>
-                </a:solidFill>
-              </a:defRPr>
-            </a:lvl3pPr>
-            <a:lvl4pPr eaLnBrk="1" hangingPunct="1">
-              <a:defRPr>
-                <a:solidFill>
-                  <a:schemeClr val="tx2"/>
-                </a:solidFill>
-              </a:defRPr>
-            </a:lvl4pPr>
-            <a:lvl5pPr eaLnBrk="1" hangingPunct="1">
-              <a:defRPr>
-                <a:solidFill>
-                  <a:schemeClr val="tx2"/>
-                </a:solidFill>
-              </a:defRPr>
-            </a:lvl5pPr>
-            <a:lvl6pPr eaLnBrk="1" hangingPunct="1">
-              <a:defRPr>
-                <a:solidFill>
-                  <a:schemeClr val="tx2"/>
-                </a:solidFill>
-              </a:defRPr>
-            </a:lvl6pPr>
-            <a:lvl7pPr eaLnBrk="1" hangingPunct="1">
-              <a:defRPr>
-                <a:solidFill>
-                  <a:schemeClr val="tx2"/>
-                </a:solidFill>
-              </a:defRPr>
-            </a:lvl7pPr>
-            <a:lvl8pPr eaLnBrk="1" hangingPunct="1">
-              <a:defRPr>
-                <a:solidFill>
-                  <a:schemeClr val="tx2"/>
-                </a:solidFill>
-              </a:defRPr>
-            </a:lvl8pPr>
-            <a:lvl9pPr eaLnBrk="1" hangingPunct="1">
-              <a:defRPr>
-                <a:solidFill>
-                  <a:schemeClr val="tx2"/>
-                </a:solidFill>
-              </a:defRPr>
-            </a:lvl9pPr>
-          </a:lstStyle>
-          <a:p>
-            <a:pPr algn="ctr"/>
-            <a:r>
-              <a:rPr lang="ru-RU" dirty="0"/>
-              <a:t>ПК 2.3. Выполнять отладку программного модуля с использованием специализированных программных средств</a:t>
-            </a:r>
-          </a:p>
-        </p:txBody>
-      </p:sp>
-      <p:sp>
-        <p:nvSpPr>
-          <p:cNvPr id="3" name="TextBox 2"/>
+          <a:ln>
+            <a:noFill/>
+          </a:ln>
+          <a:effectLst>
+            <a:outerShdw blurRad="292100" dist="139700" dir="2700000" algn="tl" rotWithShape="0">
+              <a:srgbClr val="333333">
+                <a:alpha val="65000"/>
+              </a:srgbClr>
+            </a:outerShdw>
+          </a:effectLst>
+        </p:spPr>
+      </p:pic>
+      <p:sp>
+        <p:nvSpPr>
+          <p:cNvPr id="4" name="TextBox 3"/>
           <p:cNvSpPr txBox="1"/>
           <p:nvPr/>
         </p:nvSpPr>
         <p:spPr>
           <a:xfrm>
-            <a:off x="465992" y="6348046"/>
-            <a:ext cx="3498073" cy="369332"/>
+            <a:off x="3389693" y="235974"/>
+            <a:ext cx="5019323" cy="584775"/>
           </a:xfrm>
           <a:prstGeom prst="rect">
             <a:avLst/>
@@ -6977,30 +8469,23 @@
           <a:lstStyle/>
           <a:p>
             <a:r>
-              <a:rPr lang="ru-RU" dirty="0" smtClean="0"/>
-              <a:t>На примере курсового проекта</a:t>
-            </a:r>
-            <a:endParaRPr lang="ru-RU" dirty="0"/>
+              <a:rPr lang="ru-RU" sz="3200" dirty="0" smtClean="0"/>
+              <a:t>Архитектура приложения</a:t>
+            </a:r>
+            <a:endParaRPr lang="ru-RU" sz="3200" dirty="0"/>
           </a:p>
         </p:txBody>
       </p:sp>
     </p:spTree>
     <p:extLst>
       <p:ext uri="{BB962C8B-B14F-4D97-AF65-F5344CB8AC3E}">
-        <p14:creationId xmlns:p14="http://schemas.microsoft.com/office/powerpoint/2010/main" val="3846605954"/>
+        <p14:creationId xmlns:p14="http://schemas.microsoft.com/office/powerpoint/2010/main" val="1953789645"/>
       </p:ext>
     </p:extLst>
   </p:cSld>
   <p:clrMapOvr>
     <a:masterClrMapping/>
   </p:clrMapOvr>
-  <p:timing>
-    <p:tnLst>
-      <p:par>
-        <p:cTn id="1" dur="indefinite" restart="never" nodeType="tmRoot"/>
-      </p:par>
-    </p:tnLst>
-  </p:timing>
 </p:sld>
 </file>
 
@@ -7037,8 +8522,8 @@
         </p:blipFill>
         <p:spPr>
           <a:xfrm>
-            <a:off x="146536" y="1089902"/>
-            <a:ext cx="7678618" cy="4502006"/>
+            <a:off x="2329570" y="1075196"/>
+            <a:ext cx="6342482" cy="5449176"/>
           </a:xfrm>
           <a:prstGeom prst="rect">
             <a:avLst/>
@@ -7055,117 +8540,16 @@
           </a:effectLst>
         </p:spPr>
       </p:pic>
-      <p:pic>
-        <p:nvPicPr>
-          <p:cNvPr id="3" name="Рисунок 2"/>
-          <p:cNvPicPr>
-            <a:picLocks noChangeAspect="1"/>
-          </p:cNvPicPr>
-          <p:nvPr/>
-        </p:nvPicPr>
-        <p:blipFill rotWithShape="1">
-          <a:blip r:embed="rId3"/>
-          <a:srcRect b="8108"/>
-          <a:stretch/>
-        </p:blipFill>
-        <p:spPr>
-          <a:xfrm>
-            <a:off x="3214664" y="5855677"/>
-            <a:ext cx="5393392" cy="738554"/>
-          </a:xfrm>
-          <a:prstGeom prst="rect">
-            <a:avLst/>
-          </a:prstGeom>
-          <a:ln>
-            <a:noFill/>
-          </a:ln>
-          <a:effectLst>
-            <a:outerShdw blurRad="190500" algn="tl" rotWithShape="0">
-              <a:srgbClr val="000000">
-                <a:alpha val="70000"/>
-              </a:srgbClr>
-            </a:outerShdw>
-          </a:effectLst>
-        </p:spPr>
-      </p:pic>
-      <p:pic>
-        <p:nvPicPr>
-          <p:cNvPr id="4" name="Рисунок 3"/>
-          <p:cNvPicPr>
-            <a:picLocks noChangeAspect="1"/>
-          </p:cNvPicPr>
-          <p:nvPr/>
-        </p:nvPicPr>
-        <p:blipFill>
-          <a:blip r:embed="rId4"/>
-          <a:stretch>
-            <a:fillRect/>
-          </a:stretch>
-        </p:blipFill>
-        <p:spPr>
-          <a:xfrm>
-            <a:off x="7948246" y="1186618"/>
-            <a:ext cx="3886200" cy="1804308"/>
-          </a:xfrm>
-          <a:prstGeom prst="rect">
-            <a:avLst/>
-          </a:prstGeom>
-          <a:ln>
-            <a:noFill/>
-          </a:ln>
-          <a:effectLst>
-            <a:outerShdw blurRad="190500" algn="tl" rotWithShape="0">
-              <a:srgbClr val="000000">
-                <a:alpha val="70000"/>
-              </a:srgbClr>
-            </a:outerShdw>
-          </a:effectLst>
-        </p:spPr>
-      </p:pic>
-      <p:pic>
-        <p:nvPicPr>
-          <p:cNvPr id="5" name="Рисунок 4"/>
-          <p:cNvPicPr>
-            <a:picLocks noChangeAspect="1"/>
-          </p:cNvPicPr>
-          <p:nvPr/>
-        </p:nvPicPr>
-        <p:blipFill>
-          <a:blip r:embed="rId5"/>
-          <a:stretch>
-            <a:fillRect/>
-          </a:stretch>
-        </p:blipFill>
-        <p:spPr>
-          <a:xfrm>
-            <a:off x="7948246" y="3127597"/>
-            <a:ext cx="3886200" cy="2385180"/>
-          </a:xfrm>
-          <a:prstGeom prst="rect">
-            <a:avLst/>
-          </a:prstGeom>
-          <a:ln>
-            <a:noFill/>
-          </a:ln>
-          <a:effectLst>
-            <a:outerShdw blurRad="190500" algn="tl" rotWithShape="0">
-              <a:srgbClr val="000000">
-                <a:alpha val="70000"/>
-              </a:srgbClr>
-            </a:outerShdw>
-          </a:effectLst>
-        </p:spPr>
-      </p:pic>
-      <p:sp>
-        <p:nvSpPr>
-          <p:cNvPr id="6" name="TextBox 5"/>
+      <p:sp>
+        <p:nvSpPr>
+          <p:cNvPr id="3" name="TextBox 2"/>
           <p:cNvSpPr txBox="1"/>
           <p:nvPr/>
         </p:nvSpPr>
         <p:spPr>
           <a:xfrm>
-            <a:off x="5334118" y="241358"/>
-            <a:ext cx="1154483" cy="584775"/>
+            <a:off x="2155985" y="235975"/>
+            <a:ext cx="6689652" cy="584775"/>
           </a:xfrm>
           <a:prstGeom prst="rect">
             <a:avLst/>
@@ -7179,8 +8563,8 @@
           <a:lstStyle/>
           <a:p>
             <a:r>
-              <a:rPr lang="en-US" sz="3200" dirty="0" smtClean="0"/>
-              <a:t>Rider</a:t>
+              <a:rPr lang="ru-RU" sz="3200" dirty="0" smtClean="0"/>
+              <a:t>Взаимодействие модулей проекта</a:t>
             </a:r>
             <a:endParaRPr lang="ru-RU" sz="3200" dirty="0"/>
           </a:p>
@@ -7189,20 +8573,13 @@
     </p:spTree>
     <p:extLst>
       <p:ext uri="{BB962C8B-B14F-4D97-AF65-F5344CB8AC3E}">
-        <p14:creationId xmlns:p14="http://schemas.microsoft.com/office/powerpoint/2010/main" val="602575561"/>
+        <p14:creationId xmlns:p14="http://schemas.microsoft.com/office/powerpoint/2010/main" val="591132217"/>
       </p:ext>
     </p:extLst>
   </p:cSld>
   <p:clrMapOvr>
     <a:masterClrMapping/>
   </p:clrMapOvr>
-  <p:timing>
-    <p:tnLst>
-      <p:par>
-        <p:cTn id="1" dur="indefinite" restart="never" nodeType="tmRoot"/>
-      </p:par>
-    </p:tnLst>
-  </p:timing>
 </p:sld>
 </file>
 
@@ -7239,8 +8616,8 @@
         </p:blipFill>
         <p:spPr>
           <a:xfrm>
-            <a:off x="401516" y="714747"/>
-            <a:ext cx="8804028" cy="1938166"/>
+            <a:off x="2673618" y="334229"/>
+            <a:ext cx="6101672" cy="6314904"/>
           </a:xfrm>
           <a:prstGeom prst="rect">
             <a:avLst/>
@@ -7257,155 +8634,16 @@
           </a:effectLst>
         </p:spPr>
       </p:pic>
-      <p:pic>
-        <p:nvPicPr>
-          <p:cNvPr id="3" name="Рисунок 2"/>
-          <p:cNvPicPr>
-            <a:picLocks noChangeAspect="1"/>
-          </p:cNvPicPr>
-          <p:nvPr/>
-        </p:nvPicPr>
-        <p:blipFill>
-          <a:blip r:embed="rId3"/>
-          <a:stretch>
-            <a:fillRect/>
-          </a:stretch>
-        </p:blipFill>
-        <p:spPr>
-          <a:xfrm>
-            <a:off x="401516" y="2755319"/>
-            <a:ext cx="7432430" cy="3365480"/>
-          </a:xfrm>
-          <a:prstGeom prst="rect">
-            <a:avLst/>
-          </a:prstGeom>
-          <a:ln>
-            <a:noFill/>
-          </a:ln>
-          <a:effectLst>
-            <a:outerShdw blurRad="190500" algn="tl" rotWithShape="0">
-              <a:srgbClr val="000000">
-                <a:alpha val="70000"/>
-              </a:srgbClr>
-            </a:outerShdw>
-          </a:effectLst>
-        </p:spPr>
-      </p:pic>
-      <p:pic>
-        <p:nvPicPr>
-          <p:cNvPr id="4" name="Рисунок 3"/>
-          <p:cNvPicPr>
-            <a:picLocks noChangeAspect="1"/>
-          </p:cNvPicPr>
-          <p:nvPr/>
-        </p:nvPicPr>
-        <p:blipFill>
-          <a:blip r:embed="rId4"/>
-          <a:stretch>
-            <a:fillRect/>
-          </a:stretch>
-        </p:blipFill>
-        <p:spPr>
-          <a:xfrm>
-            <a:off x="7947753" y="2755319"/>
-            <a:ext cx="3084154" cy="3365480"/>
-          </a:xfrm>
-          <a:prstGeom prst="rect">
-            <a:avLst/>
-          </a:prstGeom>
-          <a:ln>
-            <a:noFill/>
-          </a:ln>
-          <a:effectLst>
-            <a:outerShdw blurRad="190500" algn="tl" rotWithShape="0">
-              <a:srgbClr val="000000">
-                <a:alpha val="70000"/>
-              </a:srgbClr>
-            </a:outerShdw>
-          </a:effectLst>
-        </p:spPr>
-      </p:pic>
-      <p:pic>
-        <p:nvPicPr>
-          <p:cNvPr id="5" name="Рисунок 4"/>
-          <p:cNvPicPr>
-            <a:picLocks noChangeAspect="1"/>
-          </p:cNvPicPr>
-          <p:nvPr/>
-        </p:nvPicPr>
-        <p:blipFill>
-          <a:blip r:embed="rId5"/>
-          <a:stretch>
-            <a:fillRect/>
-          </a:stretch>
-        </p:blipFill>
-        <p:spPr>
-          <a:xfrm>
-            <a:off x="2246919" y="6223205"/>
-            <a:ext cx="6185886" cy="532276"/>
-          </a:xfrm>
-          <a:prstGeom prst="rect">
-            <a:avLst/>
-          </a:prstGeom>
-          <a:ln>
-            <a:noFill/>
-          </a:ln>
-          <a:effectLst>
-            <a:outerShdw blurRad="190500" algn="tl" rotWithShape="0">
-              <a:srgbClr val="000000">
-                <a:alpha val="70000"/>
-              </a:srgbClr>
-            </a:outerShdw>
-          </a:effectLst>
-        </p:spPr>
-      </p:pic>
-      <p:sp>
-        <p:nvSpPr>
-          <p:cNvPr id="6" name="TextBox 5"/>
-          <p:cNvSpPr txBox="1"/>
-          <p:nvPr/>
-        </p:nvSpPr>
-        <p:spPr>
-          <a:xfrm>
-            <a:off x="3764462" y="27566"/>
-            <a:ext cx="3150799" cy="584775"/>
-          </a:xfrm>
-          <a:prstGeom prst="rect">
-            <a:avLst/>
-          </a:prstGeom>
-          <a:noFill/>
-        </p:spPr>
-        <p:txBody>
-          <a:bodyPr wrap="none" rtlCol="0">
-            <a:spAutoFit/>
-          </a:bodyPr>
-          <a:lstStyle/>
-          <a:p>
-            <a:r>
-              <a:rPr lang="en-US" sz="3200" dirty="0" smtClean="0"/>
-              <a:t>MS Visual Studio</a:t>
-            </a:r>
-            <a:endParaRPr lang="ru-RU" sz="3200" dirty="0"/>
-          </a:p>
-        </p:txBody>
-      </p:sp>
     </p:spTree>
     <p:extLst>
       <p:ext uri="{BB962C8B-B14F-4D97-AF65-F5344CB8AC3E}">
-        <p14:creationId xmlns:p14="http://schemas.microsoft.com/office/powerpoint/2010/main" val="2846179675"/>
+        <p14:creationId xmlns:p14="http://schemas.microsoft.com/office/powerpoint/2010/main" val="2748530343"/>
       </p:ext>
     </p:extLst>
   </p:cSld>
   <p:clrMapOvr>
     <a:masterClrMapping/>
   </p:clrMapOvr>
-  <p:timing>
-    <p:tnLst>
-      <p:par>
-        <p:cTn id="1" dur="indefinite" restart="never" nodeType="tmRoot"/>
-      </p:par>
-    </p:tnLst>
-  </p:timing>
 </p:sld>
 </file>
 
@@ -7523,15 +8761,49 @@
             <a:pPr algn="ctr"/>
             <a:r>
               <a:rPr lang="ru-RU" dirty="0"/>
-              <a:t>ПК 2.4. Осуществлять разработку тестовых наборов и тестовых сценариев для программного обеспечения</a:t>
-            </a:r>
+              <a:t>ПК 2.2. Выполнять интеграцию модулей в программное обеспечение</a:t>
+            </a:r>
+          </a:p>
+        </p:txBody>
+      </p:sp>
+      <p:sp>
+        <p:nvSpPr>
+          <p:cNvPr id="3" name="TextBox 2"/>
+          <p:cNvSpPr txBox="1"/>
+          <p:nvPr/>
+        </p:nvSpPr>
+        <p:spPr>
+          <a:xfrm>
+            <a:off x="465992" y="6348046"/>
+            <a:ext cx="3498073" cy="369332"/>
+          </a:xfrm>
+          <a:prstGeom prst="rect">
+            <a:avLst/>
+          </a:prstGeom>
+          <a:noFill/>
+        </p:spPr>
+        <p:txBody>
+          <a:bodyPr wrap="none" rtlCol="0">
+            <a:spAutoFit/>
+          </a:bodyPr>
+          <a:lstStyle/>
+          <a:p>
+            <a:r>
+              <a:rPr lang="ru-RU" dirty="0" smtClean="0"/>
+              <a:t>На примере </a:t>
+            </a:r>
+            <a:r>
+              <a:rPr lang="ru-RU" dirty="0" smtClean="0"/>
+              <a:t>курсового проекта</a:t>
+            </a:r>
+            <a:endParaRPr lang="ru-RU" dirty="0"/>
           </a:p>
         </p:txBody>
       </p:sp>
     </p:spTree>
     <p:extLst>
       <p:ext uri="{BB962C8B-B14F-4D97-AF65-F5344CB8AC3E}">
-        <p14:creationId xmlns:p14="http://schemas.microsoft.com/office/powerpoint/2010/main" val="4046521736"/>
+        <p14:creationId xmlns:p14="http://schemas.microsoft.com/office/powerpoint/2010/main" val="2772563981"/>
       </p:ext>
     </p:extLst>
   </p:cSld>

--- a/Презентация.pptx
+++ b/Презентация.pptx
@@ -24,9 +24,10 @@
     <p:sldId id="270" r:id="rId18"/>
     <p:sldId id="271" r:id="rId19"/>
     <p:sldId id="272" r:id="rId20"/>
-    <p:sldId id="263" r:id="rId21"/>
-    <p:sldId id="273" r:id="rId22"/>
-    <p:sldId id="274" r:id="rId23"/>
+    <p:sldId id="280" r:id="rId21"/>
+    <p:sldId id="263" r:id="rId22"/>
+    <p:sldId id="273" r:id="rId23"/>
+    <p:sldId id="274" r:id="rId24"/>
   </p:sldIdLst>
   <p:sldSz cx="12192000" cy="6858000"/>
   <p:notesSz cx="6858000" cy="9144000"/>
@@ -7134,7 +7135,7 @@
         <p:spPr>
           <a:xfrm>
             <a:off x="465992" y="6348046"/>
-            <a:ext cx="2779928" cy="369332"/>
+            <a:ext cx="4092787" cy="369332"/>
           </a:xfrm>
           <a:prstGeom prst="rect">
             <a:avLst/>
@@ -7153,7 +7154,7 @@
             </a:r>
             <a:r>
               <a:rPr lang="ru-RU" dirty="0" smtClean="0"/>
-              <a:t>проекта УП</a:t>
+              <a:t>проекта УП и МДК 02.01</a:t>
             </a:r>
             <a:endParaRPr lang="ru-RU" dirty="0"/>
           </a:p>
@@ -7623,6 +7624,100 @@
           <a:chExt cx="0" cy="0"/>
         </a:xfrm>
       </p:grpSpPr>
+      <p:pic>
+        <p:nvPicPr>
+          <p:cNvPr id="2" name="Рисунок 1"/>
+          <p:cNvPicPr>
+            <a:picLocks noChangeAspect="1"/>
+          </p:cNvPicPr>
+          <p:nvPr/>
+        </p:nvPicPr>
+        <p:blipFill>
+          <a:blip r:embed="rId2"/>
+          <a:stretch>
+            <a:fillRect/>
+          </a:stretch>
+        </p:blipFill>
+        <p:spPr>
+          <a:xfrm>
+            <a:off x="378543" y="686417"/>
+            <a:ext cx="11316928" cy="6016110"/>
+          </a:xfrm>
+          <a:prstGeom prst="rect">
+            <a:avLst/>
+          </a:prstGeom>
+          <a:ln>
+            <a:noFill/>
+          </a:ln>
+          <a:effectLst>
+            <a:outerShdw blurRad="292100" dist="139700" dir="2700000" algn="tl" rotWithShape="0">
+              <a:srgbClr val="333333">
+                <a:alpha val="65000"/>
+              </a:srgbClr>
+            </a:outerShdw>
+          </a:effectLst>
+        </p:spPr>
+      </p:pic>
+      <p:sp>
+        <p:nvSpPr>
+          <p:cNvPr id="3" name="TextBox 2"/>
+          <p:cNvSpPr txBox="1"/>
+          <p:nvPr/>
+        </p:nvSpPr>
+        <p:spPr>
+          <a:xfrm>
+            <a:off x="4417012" y="81733"/>
+            <a:ext cx="3239990" cy="584775"/>
+          </a:xfrm>
+          <a:prstGeom prst="rect">
+            <a:avLst/>
+          </a:prstGeom>
+          <a:noFill/>
+        </p:spPr>
+        <p:txBody>
+          <a:bodyPr wrap="none" rtlCol="0">
+            <a:spAutoFit/>
+          </a:bodyPr>
+          <a:lstStyle/>
+          <a:p>
+            <a:r>
+              <a:rPr lang="ru-RU" sz="3200" dirty="0" smtClean="0"/>
+              <a:t>Тестовый набор</a:t>
+            </a:r>
+            <a:endParaRPr lang="ru-RU" sz="3200" dirty="0"/>
+          </a:p>
+        </p:txBody>
+      </p:sp>
+    </p:spTree>
+    <p:extLst>
+      <p:ext uri="{BB962C8B-B14F-4D97-AF65-F5344CB8AC3E}">
+        <p14:creationId xmlns:p14="http://schemas.microsoft.com/office/powerpoint/2010/main" val="1822870824"/>
+      </p:ext>
+    </p:extLst>
+  </p:cSld>
+  <p:clrMapOvr>
+    <a:masterClrMapping/>
+  </p:clrMapOvr>
+</p:sld>
+</file>
+
+<file path=ppt/slides/slide21.xml><?xml version="1.0" encoding="utf-8"?>
+<p:sld xmlns:a="http://schemas.openxmlformats.org/drawingml/2006/main" xmlns:r="http://schemas.openxmlformats.org/officeDocument/2006/relationships" xmlns:p="http://schemas.openxmlformats.org/presentationml/2006/main">
+  <p:cSld>
+    <p:spTree>
+      <p:nvGrpSpPr>
+        <p:cNvPr id="1" name=""/>
+        <p:cNvGrpSpPr/>
+        <p:nvPr/>
+      </p:nvGrpSpPr>
+      <p:grpSpPr>
+        <a:xfrm>
+          <a:off x="0" y="0"/>
+          <a:ext cx="0" cy="0"/>
+          <a:chOff x="0" y="0"/>
+          <a:chExt cx="0" cy="0"/>
+        </a:xfrm>
+      </p:grpSpPr>
       <p:sp>
         <p:nvSpPr>
           <p:cNvPr id="2" name="Заголовок 1"/>
@@ -7749,11 +7844,7 @@
           <a:p>
             <a:r>
               <a:rPr lang="ru-RU" dirty="0" smtClean="0"/>
-              <a:t>На примере </a:t>
-            </a:r>
-            <a:r>
-              <a:rPr lang="ru-RU" dirty="0" smtClean="0"/>
-              <a:t>курсового проекта</a:t>
+              <a:t>На примере курсового проекта</a:t>
             </a:r>
             <a:endParaRPr lang="ru-RU" dirty="0"/>
           </a:p>
@@ -7779,7 +7870,7 @@
 </p:sld>
 </file>
 
-<file path=ppt/slides/slide21.xml><?xml version="1.0" encoding="utf-8"?>
+<file path=ppt/slides/slide22.xml><?xml version="1.0" encoding="utf-8"?>
 <p:sld xmlns:a="http://schemas.openxmlformats.org/drawingml/2006/main" xmlns:r="http://schemas.openxmlformats.org/officeDocument/2006/relationships" xmlns:p="http://schemas.openxmlformats.org/presentationml/2006/main">
   <p:cSld>
     <p:spTree>
@@ -7911,7 +8002,7 @@
 </p:sld>
 </file>
 
-<file path=ppt/slides/slide22.xml><?xml version="1.0" encoding="utf-8"?>
+<file path=ppt/slides/slide23.xml><?xml version="1.0" encoding="utf-8"?>
 <p:sld xmlns:a="http://schemas.openxmlformats.org/drawingml/2006/main" xmlns:r="http://schemas.openxmlformats.org/officeDocument/2006/relationships" xmlns:p="http://schemas.openxmlformats.org/presentationml/2006/main">
   <p:cSld>
     <p:spTree>
@@ -8790,11 +8881,7 @@
           <a:p>
             <a:r>
               <a:rPr lang="ru-RU" dirty="0" smtClean="0"/>
-              <a:t>На примере </a:t>
-            </a:r>
-            <a:r>
-              <a:rPr lang="ru-RU" dirty="0" smtClean="0"/>
-              <a:t>курсового проекта</a:t>
+              <a:t>На примере курсового проекта</a:t>
             </a:r>
             <a:endParaRPr lang="ru-RU" dirty="0"/>
           </a:p>
